--- a/common_materials/framework.pptx
+++ b/common_materials/framework.pptx
@@ -124,7 +124,7 @@
 <file path=ppt/revisionInfo.xml><?xml version="1.0" encoding="utf-8"?>
 <p1510:revInfo xmlns:a="http://schemas.openxmlformats.org/drawingml/2006/main" xmlns:r="http://schemas.openxmlformats.org/officeDocument/2006/relationships" xmlns:p1510="http://schemas.microsoft.com/office/powerpoint/2015/10/main">
   <p1510:revLst>
-    <p1510:client id="{53A1251E-07E6-42FB-8725-EA9C4EDF47DF}" v="8" dt="2024-07-21T09:22:50.861"/>
+    <p1510:client id="{53A1251E-07E6-42FB-8725-EA9C4EDF47DF}" v="9" dt="2024-07-25T11:43:08.762"/>
   </p1510:revLst>
 </p1510:revInfo>
 </file>
@@ -2085,12 +2085,75 @@
   <pc:docChgLst>
     <pc:chgData name="Ryo Suhara" userId="2d319992da703ee6" providerId="LiveId" clId="{53A1251E-07E6-42FB-8725-EA9C4EDF47DF}"/>
     <pc:docChg chg="custSel modSld">
-      <pc:chgData name="Ryo Suhara" userId="2d319992da703ee6" providerId="LiveId" clId="{53A1251E-07E6-42FB-8725-EA9C4EDF47DF}" dt="2024-07-21T09:22:52.033" v="34" actId="21"/>
+      <pc:chgData name="Ryo Suhara" userId="2d319992da703ee6" providerId="LiveId" clId="{53A1251E-07E6-42FB-8725-EA9C4EDF47DF}" dt="2024-07-25T11:44:06.257" v="52" actId="478"/>
       <pc:docMkLst>
         <pc:docMk/>
       </pc:docMkLst>
       <pc:sldChg chg="addSp delSp modSp mod">
-        <pc:chgData name="Ryo Suhara" userId="2d319992da703ee6" providerId="LiveId" clId="{53A1251E-07E6-42FB-8725-EA9C4EDF47DF}" dt="2024-07-21T09:22:52.033" v="34" actId="21"/>
+        <pc:chgData name="Ryo Suhara" userId="2d319992da703ee6" providerId="LiveId" clId="{53A1251E-07E6-42FB-8725-EA9C4EDF47DF}" dt="2024-07-25T11:44:06.257" v="52" actId="478"/>
+        <pc:sldMkLst>
+          <pc:docMk/>
+          <pc:sldMk cId="2093307951" sldId="258"/>
+        </pc:sldMkLst>
+        <pc:graphicFrameChg chg="mod">
+          <ac:chgData name="Ryo Suhara" userId="2d319992da703ee6" providerId="LiveId" clId="{53A1251E-07E6-42FB-8725-EA9C4EDF47DF}" dt="2024-07-25T11:42:34.586" v="44" actId="1076"/>
+          <ac:graphicFrameMkLst>
+            <pc:docMk/>
+            <pc:sldMk cId="2093307951" sldId="258"/>
+            <ac:graphicFrameMk id="3" creationId="{0339F911-D67A-82DE-F564-B035A5C01AB1}"/>
+          </ac:graphicFrameMkLst>
+        </pc:graphicFrameChg>
+        <pc:graphicFrameChg chg="mod">
+          <ac:chgData name="Ryo Suhara" userId="2d319992da703ee6" providerId="LiveId" clId="{53A1251E-07E6-42FB-8725-EA9C4EDF47DF}" dt="2024-07-25T11:42:47.084" v="46" actId="1076"/>
+          <ac:graphicFrameMkLst>
+            <pc:docMk/>
+            <pc:sldMk cId="2093307951" sldId="258"/>
+            <ac:graphicFrameMk id="24" creationId="{EBBCD8F5-1B70-5352-8A36-C235C4A3B9C6}"/>
+          </ac:graphicFrameMkLst>
+        </pc:graphicFrameChg>
+        <pc:graphicFrameChg chg="mod">
+          <ac:chgData name="Ryo Suhara" userId="2d319992da703ee6" providerId="LiveId" clId="{53A1251E-07E6-42FB-8725-EA9C4EDF47DF}" dt="2024-07-25T11:42:21.323" v="43" actId="1076"/>
+          <ac:graphicFrameMkLst>
+            <pc:docMk/>
+            <pc:sldMk cId="2093307951" sldId="258"/>
+            <ac:graphicFrameMk id="25" creationId="{5A27AEEA-412C-850C-55BF-2A3E2029BEE3}"/>
+          </ac:graphicFrameMkLst>
+        </pc:graphicFrameChg>
+        <pc:graphicFrameChg chg="mod">
+          <ac:chgData name="Ryo Suhara" userId="2d319992da703ee6" providerId="LiveId" clId="{53A1251E-07E6-42FB-8725-EA9C4EDF47DF}" dt="2024-07-25T11:42:05.196" v="42" actId="1076"/>
+          <ac:graphicFrameMkLst>
+            <pc:docMk/>
+            <pc:sldMk cId="2093307951" sldId="258"/>
+            <ac:graphicFrameMk id="28" creationId="{5519553D-BA3A-09B9-1563-6BF21DEAF7DF}"/>
+          </ac:graphicFrameMkLst>
+        </pc:graphicFrameChg>
+        <pc:graphicFrameChg chg="mod">
+          <ac:chgData name="Ryo Suhara" userId="2d319992da703ee6" providerId="LiveId" clId="{53A1251E-07E6-42FB-8725-EA9C4EDF47DF}" dt="2024-07-25T11:42:41.093" v="45" actId="1076"/>
+          <ac:graphicFrameMkLst>
+            <pc:docMk/>
+            <pc:sldMk cId="2093307951" sldId="258"/>
+            <ac:graphicFrameMk id="32" creationId="{D111CB0D-218C-A5A0-C992-ABDDB0E71C41}"/>
+          </ac:graphicFrameMkLst>
+        </pc:graphicFrameChg>
+        <pc:graphicFrameChg chg="mod">
+          <ac:chgData name="Ryo Suhara" userId="2d319992da703ee6" providerId="LiveId" clId="{53A1251E-07E6-42FB-8725-EA9C4EDF47DF}" dt="2024-07-25T11:42:55.251" v="47" actId="1076"/>
+          <ac:graphicFrameMkLst>
+            <pc:docMk/>
+            <pc:sldMk cId="2093307951" sldId="258"/>
+            <ac:graphicFrameMk id="33" creationId="{9449B366-DDE1-440E-C851-360218506F29}"/>
+          </ac:graphicFrameMkLst>
+        </pc:graphicFrameChg>
+        <pc:picChg chg="add del mod">
+          <ac:chgData name="Ryo Suhara" userId="2d319992da703ee6" providerId="LiveId" clId="{53A1251E-07E6-42FB-8725-EA9C4EDF47DF}" dt="2024-07-25T11:44:06.257" v="52" actId="478"/>
+          <ac:picMkLst>
+            <pc:docMk/>
+            <pc:sldMk cId="2093307951" sldId="258"/>
+            <ac:picMk id="5" creationId="{982A4E66-1AFE-EAC1-5321-876854F4FCF3}"/>
+          </ac:picMkLst>
+        </pc:picChg>
+      </pc:sldChg>
+      <pc:sldChg chg="addSp delSp modSp mod">
+        <pc:chgData name="Ryo Suhara" userId="2d319992da703ee6" providerId="LiveId" clId="{53A1251E-07E6-42FB-8725-EA9C4EDF47DF}" dt="2024-07-25T11:41:33.118" v="41" actId="1076"/>
         <pc:sldMkLst>
           <pc:docMk/>
           <pc:sldMk cId="3103947854" sldId="263"/>
@@ -2112,7 +2175,7 @@
           </ac:spMkLst>
         </pc:spChg>
         <pc:spChg chg="add mod">
-          <ac:chgData name="Ryo Suhara" userId="2d319992da703ee6" providerId="LiveId" clId="{53A1251E-07E6-42FB-8725-EA9C4EDF47DF}" dt="2024-07-21T08:48:21.231" v="13" actId="20577"/>
+          <ac:chgData name="Ryo Suhara" userId="2d319992da703ee6" providerId="LiveId" clId="{53A1251E-07E6-42FB-8725-EA9C4EDF47DF}" dt="2024-07-25T11:41:24.745" v="39" actId="1076"/>
           <ac:spMkLst>
             <pc:docMk/>
             <pc:sldMk cId="3103947854" sldId="263"/>
@@ -2120,7 +2183,7 @@
           </ac:spMkLst>
         </pc:spChg>
         <pc:spChg chg="add mod">
-          <ac:chgData name="Ryo Suhara" userId="2d319992da703ee6" providerId="LiveId" clId="{53A1251E-07E6-42FB-8725-EA9C4EDF47DF}" dt="2024-07-21T08:48:31.592" v="17" actId="20577"/>
+          <ac:chgData name="Ryo Suhara" userId="2d319992da703ee6" providerId="LiveId" clId="{53A1251E-07E6-42FB-8725-EA9C4EDF47DF}" dt="2024-07-25T11:41:27.899" v="40" actId="1076"/>
           <ac:spMkLst>
             <pc:docMk/>
             <pc:sldMk cId="3103947854" sldId="263"/>
@@ -2128,11 +2191,43 @@
           </ac:spMkLst>
         </pc:spChg>
         <pc:spChg chg="add mod">
-          <ac:chgData name="Ryo Suhara" userId="2d319992da703ee6" providerId="LiveId" clId="{53A1251E-07E6-42FB-8725-EA9C4EDF47DF}" dt="2024-07-21T08:48:44.020" v="27" actId="20577"/>
+          <ac:chgData name="Ryo Suhara" userId="2d319992da703ee6" providerId="LiveId" clId="{53A1251E-07E6-42FB-8725-EA9C4EDF47DF}" dt="2024-07-25T11:41:33.118" v="41" actId="1076"/>
           <ac:spMkLst>
             <pc:docMk/>
             <pc:sldMk cId="3103947854" sldId="263"/>
             <ac:spMk id="12" creationId="{3A9B406D-1F67-C3F0-CA95-9F313FB99E8E}"/>
+          </ac:spMkLst>
+        </pc:spChg>
+        <pc:spChg chg="del">
+          <ac:chgData name="Ryo Suhara" userId="2d319992da703ee6" providerId="LiveId" clId="{53A1251E-07E6-42FB-8725-EA9C4EDF47DF}" dt="2024-07-25T11:41:01.839" v="35" actId="478"/>
+          <ac:spMkLst>
+            <pc:docMk/>
+            <pc:sldMk cId="3103947854" sldId="263"/>
+            <ac:spMk id="18" creationId="{88F2D0AD-840D-9F90-BA60-08E87CA07146}"/>
+          </ac:spMkLst>
+        </pc:spChg>
+        <pc:spChg chg="del">
+          <ac:chgData name="Ryo Suhara" userId="2d319992da703ee6" providerId="LiveId" clId="{53A1251E-07E6-42FB-8725-EA9C4EDF47DF}" dt="2024-07-25T11:41:06.393" v="36" actId="478"/>
+          <ac:spMkLst>
+            <pc:docMk/>
+            <pc:sldMk cId="3103947854" sldId="263"/>
+            <ac:spMk id="20" creationId="{97F6D910-2A08-95F0-8C1F-372ADE1ABB48}"/>
+          </ac:spMkLst>
+        </pc:spChg>
+        <pc:spChg chg="del">
+          <ac:chgData name="Ryo Suhara" userId="2d319992da703ee6" providerId="LiveId" clId="{53A1251E-07E6-42FB-8725-EA9C4EDF47DF}" dt="2024-07-25T11:41:08.786" v="37" actId="478"/>
+          <ac:spMkLst>
+            <pc:docMk/>
+            <pc:sldMk cId="3103947854" sldId="263"/>
+            <ac:spMk id="21" creationId="{D1559493-CBEF-2D2F-A96D-56FF4BD9248F}"/>
+          </ac:spMkLst>
+        </pc:spChg>
+        <pc:spChg chg="del">
+          <ac:chgData name="Ryo Suhara" userId="2d319992da703ee6" providerId="LiveId" clId="{53A1251E-07E6-42FB-8725-EA9C4EDF47DF}" dt="2024-07-25T11:41:16.020" v="38" actId="478"/>
+          <ac:spMkLst>
+            <pc:docMk/>
+            <pc:sldMk cId="3103947854" sldId="263"/>
+            <ac:spMk id="23" creationId="{3A3FE5E9-8F45-2C45-4B6A-63787F6714AC}"/>
           </ac:spMkLst>
         </pc:spChg>
         <pc:picChg chg="add del mod">
@@ -2254,7 +2349,7 @@
           <a:p>
             <a:fld id="{BF187CE6-48E4-4866-A94A-1C6CA4E16E8A}" type="datetimeFigureOut">
               <a:rPr kumimoji="1" lang="ja-JP" altLang="en-US" smtClean="0"/>
-              <a:t>2024/7/21</a:t>
+              <a:t>2024/7/25</a:t>
             </a:fld>
             <a:endParaRPr kumimoji="1" lang="ja-JP" altLang="en-US"/>
           </a:p>
@@ -3091,7 +3186,7 @@
           <a:p>
             <a:fld id="{0A61B77B-977B-4512-96B9-38DFE5BC94C7}" type="datetimeFigureOut">
               <a:rPr kumimoji="1" lang="ja-JP" altLang="en-US" smtClean="0"/>
-              <a:t>2024/7/21</a:t>
+              <a:t>2024/7/25</a:t>
             </a:fld>
             <a:endParaRPr kumimoji="1" lang="ja-JP" altLang="en-US"/>
           </a:p>
@@ -3291,7 +3386,7 @@
           <a:p>
             <a:fld id="{0A61B77B-977B-4512-96B9-38DFE5BC94C7}" type="datetimeFigureOut">
               <a:rPr kumimoji="1" lang="ja-JP" altLang="en-US" smtClean="0"/>
-              <a:t>2024/7/21</a:t>
+              <a:t>2024/7/25</a:t>
             </a:fld>
             <a:endParaRPr kumimoji="1" lang="ja-JP" altLang="en-US"/>
           </a:p>
@@ -3501,7 +3596,7 @@
           <a:p>
             <a:fld id="{0A61B77B-977B-4512-96B9-38DFE5BC94C7}" type="datetimeFigureOut">
               <a:rPr kumimoji="1" lang="ja-JP" altLang="en-US" smtClean="0"/>
-              <a:t>2024/7/21</a:t>
+              <a:t>2024/7/25</a:t>
             </a:fld>
             <a:endParaRPr kumimoji="1" lang="ja-JP" altLang="en-US"/>
           </a:p>
@@ -3701,7 +3796,7 @@
           <a:p>
             <a:fld id="{0A61B77B-977B-4512-96B9-38DFE5BC94C7}" type="datetimeFigureOut">
               <a:rPr kumimoji="1" lang="ja-JP" altLang="en-US" smtClean="0"/>
-              <a:t>2024/7/21</a:t>
+              <a:t>2024/7/25</a:t>
             </a:fld>
             <a:endParaRPr kumimoji="1" lang="ja-JP" altLang="en-US"/>
           </a:p>
@@ -3977,7 +4072,7 @@
           <a:p>
             <a:fld id="{0A61B77B-977B-4512-96B9-38DFE5BC94C7}" type="datetimeFigureOut">
               <a:rPr kumimoji="1" lang="ja-JP" altLang="en-US" smtClean="0"/>
-              <a:t>2024/7/21</a:t>
+              <a:t>2024/7/25</a:t>
             </a:fld>
             <a:endParaRPr kumimoji="1" lang="ja-JP" altLang="en-US"/>
           </a:p>
@@ -4245,7 +4340,7 @@
           <a:p>
             <a:fld id="{0A61B77B-977B-4512-96B9-38DFE5BC94C7}" type="datetimeFigureOut">
               <a:rPr kumimoji="1" lang="ja-JP" altLang="en-US" smtClean="0"/>
-              <a:t>2024/7/21</a:t>
+              <a:t>2024/7/25</a:t>
             </a:fld>
             <a:endParaRPr kumimoji="1" lang="ja-JP" altLang="en-US"/>
           </a:p>
@@ -4660,7 +4755,7 @@
           <a:p>
             <a:fld id="{0A61B77B-977B-4512-96B9-38DFE5BC94C7}" type="datetimeFigureOut">
               <a:rPr kumimoji="1" lang="ja-JP" altLang="en-US" smtClean="0"/>
-              <a:t>2024/7/21</a:t>
+              <a:t>2024/7/25</a:t>
             </a:fld>
             <a:endParaRPr kumimoji="1" lang="ja-JP" altLang="en-US"/>
           </a:p>
@@ -4802,7 +4897,7 @@
           <a:p>
             <a:fld id="{0A61B77B-977B-4512-96B9-38DFE5BC94C7}" type="datetimeFigureOut">
               <a:rPr kumimoji="1" lang="ja-JP" altLang="en-US" smtClean="0"/>
-              <a:t>2024/7/21</a:t>
+              <a:t>2024/7/25</a:t>
             </a:fld>
             <a:endParaRPr kumimoji="1" lang="ja-JP" altLang="en-US"/>
           </a:p>
@@ -4915,7 +5010,7 @@
           <a:p>
             <a:fld id="{0A61B77B-977B-4512-96B9-38DFE5BC94C7}" type="datetimeFigureOut">
               <a:rPr kumimoji="1" lang="ja-JP" altLang="en-US" smtClean="0"/>
-              <a:t>2024/7/21</a:t>
+              <a:t>2024/7/25</a:t>
             </a:fld>
             <a:endParaRPr kumimoji="1" lang="ja-JP" altLang="en-US"/>
           </a:p>
@@ -5228,7 +5323,7 @@
           <a:p>
             <a:fld id="{0A61B77B-977B-4512-96B9-38DFE5BC94C7}" type="datetimeFigureOut">
               <a:rPr kumimoji="1" lang="ja-JP" altLang="en-US" smtClean="0"/>
-              <a:t>2024/7/21</a:t>
+              <a:t>2024/7/25</a:t>
             </a:fld>
             <a:endParaRPr kumimoji="1" lang="ja-JP" altLang="en-US"/>
           </a:p>
@@ -5517,7 +5612,7 @@
           <a:p>
             <a:fld id="{0A61B77B-977B-4512-96B9-38DFE5BC94C7}" type="datetimeFigureOut">
               <a:rPr kumimoji="1" lang="ja-JP" altLang="en-US" smtClean="0"/>
-              <a:t>2024/7/21</a:t>
+              <a:t>2024/7/25</a:t>
             </a:fld>
             <a:endParaRPr kumimoji="1" lang="ja-JP" altLang="en-US"/>
           </a:p>
@@ -5760,7 +5855,7 @@
           <a:p>
             <a:fld id="{0A61B77B-977B-4512-96B9-38DFE5BC94C7}" type="datetimeFigureOut">
               <a:rPr kumimoji="1" lang="ja-JP" altLang="en-US" smtClean="0"/>
-              <a:t>2024/7/21</a:t>
+              <a:t>2024/7/25</a:t>
             </a:fld>
             <a:endParaRPr kumimoji="1" lang="ja-JP" altLang="en-US"/>
           </a:p>
@@ -7210,202 +7305,6 @@
       </p:sp>
       <p:sp>
         <p:nvSpPr>
-          <p:cNvPr id="18" name="TextBox 17">
-            <a:extLst>
-              <a:ext uri="{FF2B5EF4-FFF2-40B4-BE49-F238E27FC236}">
-                <a16:creationId xmlns:a16="http://schemas.microsoft.com/office/drawing/2014/main" id="{88F2D0AD-840D-9F90-BA60-08E87CA07146}"/>
-              </a:ext>
-            </a:extLst>
-          </p:cNvPr>
-          <p:cNvSpPr txBox="1"/>
-          <p:nvPr/>
-        </p:nvSpPr>
-        <p:spPr>
-          <a:xfrm>
-            <a:off x="3462359" y="2676170"/>
-            <a:ext cx="698885" cy="369332"/>
-          </a:xfrm>
-          <a:prstGeom prst="rect">
-            <a:avLst/>
-          </a:prstGeom>
-          <a:noFill/>
-        </p:spPr>
-        <p:txBody>
-          <a:bodyPr wrap="square" rtlCol="0">
-            <a:spAutoFit/>
-          </a:bodyPr>
-          <a:lstStyle/>
-          <a:p>
-            <a:r>
-              <a:rPr kumimoji="1" lang="en-US" altLang="ja-JP" dirty="0">
-                <a:solidFill>
-                  <a:srgbClr val="0000FF"/>
-                </a:solidFill>
-                <a:latin typeface="Calibri" panose="020F0502020204030204" pitchFamily="34" charset="0"/>
-                <a:ea typeface="Calibri" panose="020F0502020204030204" pitchFamily="34" charset="0"/>
-                <a:cs typeface="Calibri" panose="020F0502020204030204" pitchFamily="34" charset="0"/>
-              </a:rPr>
-              <a:t>H6.2</a:t>
-            </a:r>
-            <a:endParaRPr kumimoji="1" lang="ja-JP" altLang="en-US" dirty="0">
-              <a:solidFill>
-                <a:srgbClr val="0000FF"/>
-              </a:solidFill>
-              <a:latin typeface="Calibri" panose="020F0502020204030204" pitchFamily="34" charset="0"/>
-              <a:cs typeface="Calibri" panose="020F0502020204030204" pitchFamily="34" charset="0"/>
-            </a:endParaRPr>
-          </a:p>
-        </p:txBody>
-      </p:sp>
-      <p:sp>
-        <p:nvSpPr>
-          <p:cNvPr id="20" name="TextBox 19">
-            <a:extLst>
-              <a:ext uri="{FF2B5EF4-FFF2-40B4-BE49-F238E27FC236}">
-                <a16:creationId xmlns:a16="http://schemas.microsoft.com/office/drawing/2014/main" id="{97F6D910-2A08-95F0-8C1F-372ADE1ABB48}"/>
-              </a:ext>
-            </a:extLst>
-          </p:cNvPr>
-          <p:cNvSpPr txBox="1"/>
-          <p:nvPr/>
-        </p:nvSpPr>
-        <p:spPr>
-          <a:xfrm>
-            <a:off x="5468162" y="3429000"/>
-            <a:ext cx="698885" cy="369332"/>
-          </a:xfrm>
-          <a:prstGeom prst="rect">
-            <a:avLst/>
-          </a:prstGeom>
-          <a:noFill/>
-        </p:spPr>
-        <p:txBody>
-          <a:bodyPr wrap="square" rtlCol="0">
-            <a:spAutoFit/>
-          </a:bodyPr>
-          <a:lstStyle/>
-          <a:p>
-            <a:r>
-              <a:rPr kumimoji="1" lang="en-US" altLang="ja-JP" dirty="0">
-                <a:solidFill>
-                  <a:srgbClr val="0000FF"/>
-                </a:solidFill>
-                <a:latin typeface="Calibri" panose="020F0502020204030204" pitchFamily="34" charset="0"/>
-                <a:ea typeface="Calibri" panose="020F0502020204030204" pitchFamily="34" charset="0"/>
-                <a:cs typeface="Calibri" panose="020F0502020204030204" pitchFamily="34" charset="0"/>
-              </a:rPr>
-              <a:t>H6.3</a:t>
-            </a:r>
-            <a:endParaRPr kumimoji="1" lang="ja-JP" altLang="en-US" dirty="0">
-              <a:solidFill>
-                <a:srgbClr val="0000FF"/>
-              </a:solidFill>
-              <a:latin typeface="Calibri" panose="020F0502020204030204" pitchFamily="34" charset="0"/>
-              <a:cs typeface="Calibri" panose="020F0502020204030204" pitchFamily="34" charset="0"/>
-            </a:endParaRPr>
-          </a:p>
-        </p:txBody>
-      </p:sp>
-      <p:sp>
-        <p:nvSpPr>
-          <p:cNvPr id="21" name="TextBox 20">
-            <a:extLst>
-              <a:ext uri="{FF2B5EF4-FFF2-40B4-BE49-F238E27FC236}">
-                <a16:creationId xmlns:a16="http://schemas.microsoft.com/office/drawing/2014/main" id="{D1559493-CBEF-2D2F-A96D-56FF4BD9248F}"/>
-              </a:ext>
-            </a:extLst>
-          </p:cNvPr>
-          <p:cNvSpPr txBox="1"/>
-          <p:nvPr/>
-        </p:nvSpPr>
-        <p:spPr>
-          <a:xfrm>
-            <a:off x="5817419" y="2142012"/>
-            <a:ext cx="698885" cy="369332"/>
-          </a:xfrm>
-          <a:prstGeom prst="rect">
-            <a:avLst/>
-          </a:prstGeom>
-          <a:noFill/>
-        </p:spPr>
-        <p:txBody>
-          <a:bodyPr wrap="square" rtlCol="0">
-            <a:spAutoFit/>
-          </a:bodyPr>
-          <a:lstStyle/>
-          <a:p>
-            <a:r>
-              <a:rPr kumimoji="1" lang="en-US" altLang="ja-JP" dirty="0">
-                <a:solidFill>
-                  <a:srgbClr val="0000FF"/>
-                </a:solidFill>
-                <a:latin typeface="Calibri" panose="020F0502020204030204" pitchFamily="34" charset="0"/>
-                <a:ea typeface="Calibri" panose="020F0502020204030204" pitchFamily="34" charset="0"/>
-                <a:cs typeface="Calibri" panose="020F0502020204030204" pitchFamily="34" charset="0"/>
-              </a:rPr>
-              <a:t>H6.4</a:t>
-            </a:r>
-            <a:endParaRPr kumimoji="1" lang="ja-JP" altLang="en-US" dirty="0">
-              <a:solidFill>
-                <a:srgbClr val="0000FF"/>
-              </a:solidFill>
-              <a:latin typeface="Calibri" panose="020F0502020204030204" pitchFamily="34" charset="0"/>
-              <a:cs typeface="Calibri" panose="020F0502020204030204" pitchFamily="34" charset="0"/>
-            </a:endParaRPr>
-          </a:p>
-        </p:txBody>
-      </p:sp>
-      <p:sp>
-        <p:nvSpPr>
-          <p:cNvPr id="23" name="TextBox 22">
-            <a:extLst>
-              <a:ext uri="{FF2B5EF4-FFF2-40B4-BE49-F238E27FC236}">
-                <a16:creationId xmlns:a16="http://schemas.microsoft.com/office/drawing/2014/main" id="{3A3FE5E9-8F45-2C45-4B6A-63787F6714AC}"/>
-              </a:ext>
-            </a:extLst>
-          </p:cNvPr>
-          <p:cNvSpPr txBox="1"/>
-          <p:nvPr/>
-        </p:nvSpPr>
-        <p:spPr>
-          <a:xfrm>
-            <a:off x="11116482" y="3428802"/>
-            <a:ext cx="698885" cy="369332"/>
-          </a:xfrm>
-          <a:prstGeom prst="rect">
-            <a:avLst/>
-          </a:prstGeom>
-          <a:noFill/>
-        </p:spPr>
-        <p:txBody>
-          <a:bodyPr wrap="square" rtlCol="0">
-            <a:spAutoFit/>
-          </a:bodyPr>
-          <a:lstStyle/>
-          <a:p>
-            <a:r>
-              <a:rPr kumimoji="1" lang="en-US" altLang="ja-JP" dirty="0">
-                <a:solidFill>
-                  <a:srgbClr val="0000FF"/>
-                </a:solidFill>
-                <a:latin typeface="Calibri" panose="020F0502020204030204" pitchFamily="34" charset="0"/>
-                <a:ea typeface="Calibri" panose="020F0502020204030204" pitchFamily="34" charset="0"/>
-                <a:cs typeface="Calibri" panose="020F0502020204030204" pitchFamily="34" charset="0"/>
-              </a:rPr>
-              <a:t>H6.5</a:t>
-            </a:r>
-            <a:endParaRPr kumimoji="1" lang="ja-JP" altLang="en-US" dirty="0">
-              <a:solidFill>
-                <a:srgbClr val="0000FF"/>
-              </a:solidFill>
-              <a:latin typeface="Calibri" panose="020F0502020204030204" pitchFamily="34" charset="0"/>
-              <a:cs typeface="Calibri" panose="020F0502020204030204" pitchFamily="34" charset="0"/>
-            </a:endParaRPr>
-          </a:p>
-        </p:txBody>
-      </p:sp>
-      <p:sp>
-        <p:nvSpPr>
           <p:cNvPr id="3" name="TextBox 2">
             <a:extLst>
               <a:ext uri="{FF2B5EF4-FFF2-40B4-BE49-F238E27FC236}">
@@ -7516,7 +7415,7 @@
         </p:nvSpPr>
         <p:spPr>
           <a:xfrm>
-            <a:off x="5467976" y="3153771"/>
+            <a:off x="5556250" y="3464695"/>
             <a:ext cx="698885" cy="369332"/>
           </a:xfrm>
           <a:prstGeom prst="rect">
@@ -7576,7 +7475,7 @@
         </p:nvSpPr>
         <p:spPr>
           <a:xfrm>
-            <a:off x="5817418" y="1861187"/>
+            <a:off x="5817419" y="2170679"/>
             <a:ext cx="698885" cy="369332"/>
           </a:xfrm>
           <a:prstGeom prst="rect">
@@ -7625,7 +7524,7 @@
         </p:nvSpPr>
         <p:spPr>
           <a:xfrm>
-            <a:off x="11116482" y="3143580"/>
+            <a:off x="11153140" y="3471043"/>
             <a:ext cx="698885" cy="369332"/>
           </a:xfrm>
           <a:prstGeom prst="rect">
@@ -8591,13 +8490,13 @@
           <p:nvPr>
             <p:extLst>
               <p:ext uri="{D42A27DB-BD31-4B8C-83A1-F6EECF244321}">
-                <p14:modId xmlns:p14="http://schemas.microsoft.com/office/powerpoint/2010/main" val="4229866565"/>
+                <p14:modId xmlns:p14="http://schemas.microsoft.com/office/powerpoint/2010/main" val="1228122923"/>
               </p:ext>
             </p:extLst>
           </p:nvPr>
         </p:nvGraphicFramePr>
         <p:xfrm>
-          <a:off x="250790" y="4078874"/>
+          <a:off x="256926" y="4064177"/>
           <a:ext cx="1355413" cy="1219200"/>
         </p:xfrm>
         <a:graphic>
@@ -8924,13 +8823,13 @@
           <p:nvPr>
             <p:extLst>
               <p:ext uri="{D42A27DB-BD31-4B8C-83A1-F6EECF244321}">
-                <p14:modId xmlns:p14="http://schemas.microsoft.com/office/powerpoint/2010/main" val="3759194398"/>
+                <p14:modId xmlns:p14="http://schemas.microsoft.com/office/powerpoint/2010/main" val="4229579346"/>
               </p:ext>
             </p:extLst>
           </p:nvPr>
         </p:nvGraphicFramePr>
         <p:xfrm>
-          <a:off x="3542866" y="2160136"/>
+          <a:off x="3642169" y="2100031"/>
           <a:ext cx="1355413" cy="1219200"/>
         </p:xfrm>
         <a:graphic>
@@ -9257,13 +9156,13 @@
           <p:nvPr>
             <p:extLst>
               <p:ext uri="{D42A27DB-BD31-4B8C-83A1-F6EECF244321}">
-                <p14:modId xmlns:p14="http://schemas.microsoft.com/office/powerpoint/2010/main" val="1686851530"/>
+                <p14:modId xmlns:p14="http://schemas.microsoft.com/office/powerpoint/2010/main" val="2238386764"/>
               </p:ext>
             </p:extLst>
           </p:nvPr>
         </p:nvGraphicFramePr>
         <p:xfrm>
-          <a:off x="-426916" y="1363847"/>
+          <a:off x="-331545" y="1210920"/>
           <a:ext cx="1355413" cy="1219200"/>
         </p:xfrm>
         <a:graphic>
@@ -9578,13 +9477,13 @@
           <p:nvPr>
             <p:extLst>
               <p:ext uri="{D42A27DB-BD31-4B8C-83A1-F6EECF244321}">
-                <p14:modId xmlns:p14="http://schemas.microsoft.com/office/powerpoint/2010/main" val="957182831"/>
+                <p14:modId xmlns:p14="http://schemas.microsoft.com/office/powerpoint/2010/main" val="2229775872"/>
               </p:ext>
             </p:extLst>
           </p:nvPr>
         </p:nvGraphicFramePr>
         <p:xfrm>
-          <a:off x="5685116" y="1610627"/>
+          <a:off x="5790292" y="1153042"/>
           <a:ext cx="1355413" cy="1219200"/>
         </p:xfrm>
         <a:graphic>
@@ -9911,13 +9810,13 @@
           <p:nvPr>
             <p:extLst>
               <p:ext uri="{D42A27DB-BD31-4B8C-83A1-F6EECF244321}">
-                <p14:modId xmlns:p14="http://schemas.microsoft.com/office/powerpoint/2010/main" val="1358685387"/>
+                <p14:modId xmlns:p14="http://schemas.microsoft.com/office/powerpoint/2010/main" val="2562849242"/>
               </p:ext>
             </p:extLst>
           </p:nvPr>
         </p:nvGraphicFramePr>
         <p:xfrm>
-          <a:off x="5444915" y="4130316"/>
+          <a:off x="5360106" y="4122027"/>
           <a:ext cx="1355413" cy="1219200"/>
         </p:xfrm>
         <a:graphic>
@@ -10244,13 +10143,13 @@
           <p:nvPr>
             <p:extLst>
               <p:ext uri="{D42A27DB-BD31-4B8C-83A1-F6EECF244321}">
-                <p14:modId xmlns:p14="http://schemas.microsoft.com/office/powerpoint/2010/main" val="2586138701"/>
+                <p14:modId xmlns:p14="http://schemas.microsoft.com/office/powerpoint/2010/main" val="701832825"/>
               </p:ext>
             </p:extLst>
           </p:nvPr>
         </p:nvGraphicFramePr>
         <p:xfrm>
-          <a:off x="9130990" y="741582"/>
+          <a:off x="9028616" y="741582"/>
           <a:ext cx="1355413" cy="1219200"/>
         </p:xfrm>
         <a:graphic>

--- a/common_materials/framework.pptx
+++ b/common_materials/framework.pptx
@@ -124,7 +124,7 @@
 <file path=ppt/revisionInfo.xml><?xml version="1.0" encoding="utf-8"?>
 <p1510:revInfo xmlns:a="http://schemas.openxmlformats.org/drawingml/2006/main" xmlns:r="http://schemas.openxmlformats.org/officeDocument/2006/relationships" xmlns:p1510="http://schemas.microsoft.com/office/powerpoint/2015/10/main">
   <p1510:revLst>
-    <p1510:client id="{53A1251E-07E6-42FB-8725-EA9C4EDF47DF}" v="9" dt="2024-07-25T11:43:08.762"/>
+    <p1510:client id="{53A1251E-07E6-42FB-8725-EA9C4EDF47DF}" v="10" dt="2024-07-26T09:56:05.175"/>
   </p1510:revLst>
 </p1510:revInfo>
 </file>
@@ -2085,7 +2085,7 @@
   <pc:docChgLst>
     <pc:chgData name="Ryo Suhara" userId="2d319992da703ee6" providerId="LiveId" clId="{53A1251E-07E6-42FB-8725-EA9C4EDF47DF}"/>
     <pc:docChg chg="custSel modSld">
-      <pc:chgData name="Ryo Suhara" userId="2d319992da703ee6" providerId="LiveId" clId="{53A1251E-07E6-42FB-8725-EA9C4EDF47DF}" dt="2024-07-25T11:44:06.257" v="52" actId="478"/>
+      <pc:chgData name="Ryo Suhara" userId="2d319992da703ee6" providerId="LiveId" clId="{53A1251E-07E6-42FB-8725-EA9C4EDF47DF}" dt="2024-07-26T09:56:43.598" v="56" actId="478"/>
       <pc:docMkLst>
         <pc:docMk/>
       </pc:docMkLst>
@@ -2149,6 +2149,29 @@
             <pc:docMk/>
             <pc:sldMk cId="2093307951" sldId="258"/>
             <ac:picMk id="5" creationId="{982A4E66-1AFE-EAC1-5321-876854F4FCF3}"/>
+          </ac:picMkLst>
+        </pc:picChg>
+      </pc:sldChg>
+      <pc:sldChg chg="addSp delSp modSp mod">
+        <pc:chgData name="Ryo Suhara" userId="2d319992da703ee6" providerId="LiveId" clId="{53A1251E-07E6-42FB-8725-EA9C4EDF47DF}" dt="2024-07-26T09:56:43.598" v="56" actId="478"/>
+        <pc:sldMkLst>
+          <pc:docMk/>
+          <pc:sldMk cId="2748666570" sldId="259"/>
+        </pc:sldMkLst>
+        <pc:graphicFrameChg chg="mod">
+          <ac:chgData name="Ryo Suhara" userId="2d319992da703ee6" providerId="LiveId" clId="{53A1251E-07E6-42FB-8725-EA9C4EDF47DF}" dt="2024-07-26T09:55:57.793" v="53" actId="1076"/>
+          <ac:graphicFrameMkLst>
+            <pc:docMk/>
+            <pc:sldMk cId="2748666570" sldId="259"/>
+            <ac:graphicFrameMk id="12" creationId="{5B919F30-17B0-5FEA-FC38-2804591FE462}"/>
+          </ac:graphicFrameMkLst>
+        </pc:graphicFrameChg>
+        <pc:picChg chg="add del mod">
+          <ac:chgData name="Ryo Suhara" userId="2d319992da703ee6" providerId="LiveId" clId="{53A1251E-07E6-42FB-8725-EA9C4EDF47DF}" dt="2024-07-26T09:56:43.598" v="56" actId="478"/>
+          <ac:picMkLst>
+            <pc:docMk/>
+            <pc:sldMk cId="2748666570" sldId="259"/>
+            <ac:picMk id="4" creationId="{229C9C28-1B4B-7B4F-3A30-7CA117DB75DE}"/>
           </ac:picMkLst>
         </pc:picChg>
       </pc:sldChg>
@@ -2349,7 +2372,7 @@
           <a:p>
             <a:fld id="{BF187CE6-48E4-4866-A94A-1C6CA4E16E8A}" type="datetimeFigureOut">
               <a:rPr kumimoji="1" lang="ja-JP" altLang="en-US" smtClean="0"/>
-              <a:t>2024/7/25</a:t>
+              <a:t>2024/7/26</a:t>
             </a:fld>
             <a:endParaRPr kumimoji="1" lang="ja-JP" altLang="en-US"/>
           </a:p>
@@ -3186,7 +3209,7 @@
           <a:p>
             <a:fld id="{0A61B77B-977B-4512-96B9-38DFE5BC94C7}" type="datetimeFigureOut">
               <a:rPr kumimoji="1" lang="ja-JP" altLang="en-US" smtClean="0"/>
-              <a:t>2024/7/25</a:t>
+              <a:t>2024/7/26</a:t>
             </a:fld>
             <a:endParaRPr kumimoji="1" lang="ja-JP" altLang="en-US"/>
           </a:p>
@@ -3386,7 +3409,7 @@
           <a:p>
             <a:fld id="{0A61B77B-977B-4512-96B9-38DFE5BC94C7}" type="datetimeFigureOut">
               <a:rPr kumimoji="1" lang="ja-JP" altLang="en-US" smtClean="0"/>
-              <a:t>2024/7/25</a:t>
+              <a:t>2024/7/26</a:t>
             </a:fld>
             <a:endParaRPr kumimoji="1" lang="ja-JP" altLang="en-US"/>
           </a:p>
@@ -3596,7 +3619,7 @@
           <a:p>
             <a:fld id="{0A61B77B-977B-4512-96B9-38DFE5BC94C7}" type="datetimeFigureOut">
               <a:rPr kumimoji="1" lang="ja-JP" altLang="en-US" smtClean="0"/>
-              <a:t>2024/7/25</a:t>
+              <a:t>2024/7/26</a:t>
             </a:fld>
             <a:endParaRPr kumimoji="1" lang="ja-JP" altLang="en-US"/>
           </a:p>
@@ -3796,7 +3819,7 @@
           <a:p>
             <a:fld id="{0A61B77B-977B-4512-96B9-38DFE5BC94C7}" type="datetimeFigureOut">
               <a:rPr kumimoji="1" lang="ja-JP" altLang="en-US" smtClean="0"/>
-              <a:t>2024/7/25</a:t>
+              <a:t>2024/7/26</a:t>
             </a:fld>
             <a:endParaRPr kumimoji="1" lang="ja-JP" altLang="en-US"/>
           </a:p>
@@ -4072,7 +4095,7 @@
           <a:p>
             <a:fld id="{0A61B77B-977B-4512-96B9-38DFE5BC94C7}" type="datetimeFigureOut">
               <a:rPr kumimoji="1" lang="ja-JP" altLang="en-US" smtClean="0"/>
-              <a:t>2024/7/25</a:t>
+              <a:t>2024/7/26</a:t>
             </a:fld>
             <a:endParaRPr kumimoji="1" lang="ja-JP" altLang="en-US"/>
           </a:p>
@@ -4340,7 +4363,7 @@
           <a:p>
             <a:fld id="{0A61B77B-977B-4512-96B9-38DFE5BC94C7}" type="datetimeFigureOut">
               <a:rPr kumimoji="1" lang="ja-JP" altLang="en-US" smtClean="0"/>
-              <a:t>2024/7/25</a:t>
+              <a:t>2024/7/26</a:t>
             </a:fld>
             <a:endParaRPr kumimoji="1" lang="ja-JP" altLang="en-US"/>
           </a:p>
@@ -4755,7 +4778,7 @@
           <a:p>
             <a:fld id="{0A61B77B-977B-4512-96B9-38DFE5BC94C7}" type="datetimeFigureOut">
               <a:rPr kumimoji="1" lang="ja-JP" altLang="en-US" smtClean="0"/>
-              <a:t>2024/7/25</a:t>
+              <a:t>2024/7/26</a:t>
             </a:fld>
             <a:endParaRPr kumimoji="1" lang="ja-JP" altLang="en-US"/>
           </a:p>
@@ -4897,7 +4920,7 @@
           <a:p>
             <a:fld id="{0A61B77B-977B-4512-96B9-38DFE5BC94C7}" type="datetimeFigureOut">
               <a:rPr kumimoji="1" lang="ja-JP" altLang="en-US" smtClean="0"/>
-              <a:t>2024/7/25</a:t>
+              <a:t>2024/7/26</a:t>
             </a:fld>
             <a:endParaRPr kumimoji="1" lang="ja-JP" altLang="en-US"/>
           </a:p>
@@ -5010,7 +5033,7 @@
           <a:p>
             <a:fld id="{0A61B77B-977B-4512-96B9-38DFE5BC94C7}" type="datetimeFigureOut">
               <a:rPr kumimoji="1" lang="ja-JP" altLang="en-US" smtClean="0"/>
-              <a:t>2024/7/25</a:t>
+              <a:t>2024/7/26</a:t>
             </a:fld>
             <a:endParaRPr kumimoji="1" lang="ja-JP" altLang="en-US"/>
           </a:p>
@@ -5323,7 +5346,7 @@
           <a:p>
             <a:fld id="{0A61B77B-977B-4512-96B9-38DFE5BC94C7}" type="datetimeFigureOut">
               <a:rPr kumimoji="1" lang="ja-JP" altLang="en-US" smtClean="0"/>
-              <a:t>2024/7/25</a:t>
+              <a:t>2024/7/26</a:t>
             </a:fld>
             <a:endParaRPr kumimoji="1" lang="ja-JP" altLang="en-US"/>
           </a:p>
@@ -5612,7 +5635,7 @@
           <a:p>
             <a:fld id="{0A61B77B-977B-4512-96B9-38DFE5BC94C7}" type="datetimeFigureOut">
               <a:rPr kumimoji="1" lang="ja-JP" altLang="en-US" smtClean="0"/>
-              <a:t>2024/7/25</a:t>
+              <a:t>2024/7/26</a:t>
             </a:fld>
             <a:endParaRPr kumimoji="1" lang="ja-JP" altLang="en-US"/>
           </a:p>
@@ -5855,7 +5878,7 @@
           <a:p>
             <a:fld id="{0A61B77B-977B-4512-96B9-38DFE5BC94C7}" type="datetimeFigureOut">
               <a:rPr kumimoji="1" lang="ja-JP" altLang="en-US" smtClean="0"/>
-              <a:t>2024/7/25</a:t>
+              <a:t>2024/7/26</a:t>
             </a:fld>
             <a:endParaRPr kumimoji="1" lang="ja-JP" altLang="en-US"/>
           </a:p>
@@ -13453,13 +13476,13 @@
           <p:nvPr>
             <p:extLst>
               <p:ext uri="{D42A27DB-BD31-4B8C-83A1-F6EECF244321}">
-                <p14:modId xmlns:p14="http://schemas.microsoft.com/office/powerpoint/2010/main" val="1807572665"/>
+                <p14:modId xmlns:p14="http://schemas.microsoft.com/office/powerpoint/2010/main" val="1308498392"/>
               </p:ext>
             </p:extLst>
           </p:nvPr>
         </p:nvGraphicFramePr>
         <p:xfrm>
-          <a:off x="12346610" y="1270093"/>
+          <a:off x="12370673" y="333967"/>
           <a:ext cx="1355413" cy="1219200"/>
         </p:xfrm>
         <a:graphic>

--- a/common_materials/framework.pptx
+++ b/common_materials/framework.pptx
@@ -124,7 +124,7 @@
 <file path=ppt/revisionInfo.xml><?xml version="1.0" encoding="utf-8"?>
 <p1510:revInfo xmlns:a="http://schemas.openxmlformats.org/drawingml/2006/main" xmlns:r="http://schemas.openxmlformats.org/officeDocument/2006/relationships" xmlns:p1510="http://schemas.microsoft.com/office/powerpoint/2015/10/main">
   <p1510:revLst>
-    <p1510:client id="{53A1251E-07E6-42FB-8725-EA9C4EDF47DF}" v="10" dt="2024-07-26T09:56:05.175"/>
+    <p1510:client id="{53A1251E-07E6-42FB-8725-EA9C4EDF47DF}" v="12" dt="2024-08-01T05:41:45.147"/>
   </p1510:revLst>
 </p1510:revInfo>
 </file>
@@ -2085,7 +2085,7 @@
   <pc:docChgLst>
     <pc:chgData name="Ryo Suhara" userId="2d319992da703ee6" providerId="LiveId" clId="{53A1251E-07E6-42FB-8725-EA9C4EDF47DF}"/>
     <pc:docChg chg="custSel modSld">
-      <pc:chgData name="Ryo Suhara" userId="2d319992da703ee6" providerId="LiveId" clId="{53A1251E-07E6-42FB-8725-EA9C4EDF47DF}" dt="2024-07-26T09:56:43.598" v="56" actId="478"/>
+      <pc:chgData name="Ryo Suhara" userId="2d319992da703ee6" providerId="LiveId" clId="{53A1251E-07E6-42FB-8725-EA9C4EDF47DF}" dt="2024-08-01T05:41:46.419" v="68" actId="21"/>
       <pc:docMkLst>
         <pc:docMk/>
       </pc:docMkLst>
@@ -2270,18 +2270,58 @@
           </ac:picMkLst>
         </pc:picChg>
       </pc:sldChg>
-      <pc:sldChg chg="addSp delSp mod">
-        <pc:chgData name="Ryo Suhara" userId="2d319992da703ee6" providerId="LiveId" clId="{53A1251E-07E6-42FB-8725-EA9C4EDF47DF}" dt="2024-07-21T09:21:17.641" v="32" actId="21"/>
+      <pc:sldChg chg="addSp delSp modSp mod">
+        <pc:chgData name="Ryo Suhara" userId="2d319992da703ee6" providerId="LiveId" clId="{53A1251E-07E6-42FB-8725-EA9C4EDF47DF}" dt="2024-08-01T05:41:46.419" v="68" actId="21"/>
         <pc:sldMkLst>
           <pc:docMk/>
           <pc:sldMk cId="2434214515" sldId="264"/>
         </pc:sldMkLst>
+        <pc:spChg chg="mod">
+          <ac:chgData name="Ryo Suhara" userId="2d319992da703ee6" providerId="LiveId" clId="{53A1251E-07E6-42FB-8725-EA9C4EDF47DF}" dt="2024-08-01T05:41:08.677" v="58" actId="20577"/>
+          <ac:spMkLst>
+            <pc:docMk/>
+            <pc:sldMk cId="2434214515" sldId="264"/>
+            <ac:spMk id="22" creationId="{3EAA291F-9F59-582A-208B-EBD8534B231C}"/>
+          </ac:spMkLst>
+        </pc:spChg>
+        <pc:spChg chg="mod">
+          <ac:chgData name="Ryo Suhara" userId="2d319992da703ee6" providerId="LiveId" clId="{53A1251E-07E6-42FB-8725-EA9C4EDF47DF}" dt="2024-08-01T05:41:19.104" v="64" actId="20577"/>
+          <ac:spMkLst>
+            <pc:docMk/>
+            <pc:sldMk cId="2434214515" sldId="264"/>
+            <ac:spMk id="24" creationId="{3929342C-2504-7339-D8D9-2EDA5AA1D765}"/>
+          </ac:spMkLst>
+        </pc:spChg>
+        <pc:spChg chg="mod">
+          <ac:chgData name="Ryo Suhara" userId="2d319992da703ee6" providerId="LiveId" clId="{53A1251E-07E6-42FB-8725-EA9C4EDF47DF}" dt="2024-08-01T05:41:16.692" v="62" actId="20577"/>
+          <ac:spMkLst>
+            <pc:docMk/>
+            <pc:sldMk cId="2434214515" sldId="264"/>
+            <ac:spMk id="25" creationId="{B2476A3A-E9CE-8BAD-38E8-DCD48C4D2401}"/>
+          </ac:spMkLst>
+        </pc:spChg>
         <pc:picChg chg="add del">
           <ac:chgData name="Ryo Suhara" userId="2d319992da703ee6" providerId="LiveId" clId="{53A1251E-07E6-42FB-8725-EA9C4EDF47DF}" dt="2024-07-21T09:21:17.641" v="32" actId="21"/>
           <ac:picMkLst>
             <pc:docMk/>
             <pc:sldMk cId="2434214515" sldId="264"/>
             <ac:picMk id="4" creationId="{4AEA68AA-AF69-5BE1-9916-B88DF384BB26}"/>
+          </ac:picMkLst>
+        </pc:picChg>
+        <pc:picChg chg="add del">
+          <ac:chgData name="Ryo Suhara" userId="2d319992da703ee6" providerId="LiveId" clId="{53A1251E-07E6-42FB-8725-EA9C4EDF47DF}" dt="2024-08-01T05:41:29.388" v="66" actId="21"/>
+          <ac:picMkLst>
+            <pc:docMk/>
+            <pc:sldMk cId="2434214515" sldId="264"/>
+            <ac:picMk id="4" creationId="{F55EC18A-2996-D84A-09A7-1760177D3451}"/>
+          </ac:picMkLst>
+        </pc:picChg>
+        <pc:picChg chg="add del">
+          <ac:chgData name="Ryo Suhara" userId="2d319992da703ee6" providerId="LiveId" clId="{53A1251E-07E6-42FB-8725-EA9C4EDF47DF}" dt="2024-08-01T05:41:46.419" v="68" actId="21"/>
+          <ac:picMkLst>
+            <pc:docMk/>
+            <pc:sldMk cId="2434214515" sldId="264"/>
+            <ac:picMk id="5" creationId="{DC51CDF6-B0F9-6EEF-4529-5540066E0F90}"/>
           </ac:picMkLst>
         </pc:picChg>
       </pc:sldChg>
@@ -2372,7 +2412,7 @@
           <a:p>
             <a:fld id="{BF187CE6-48E4-4866-A94A-1C6CA4E16E8A}" type="datetimeFigureOut">
               <a:rPr kumimoji="1" lang="ja-JP" altLang="en-US" smtClean="0"/>
-              <a:t>2024/7/26</a:t>
+              <a:t>2024/8/1</a:t>
             </a:fld>
             <a:endParaRPr kumimoji="1" lang="ja-JP" altLang="en-US"/>
           </a:p>
@@ -3209,7 +3249,7 @@
           <a:p>
             <a:fld id="{0A61B77B-977B-4512-96B9-38DFE5BC94C7}" type="datetimeFigureOut">
               <a:rPr kumimoji="1" lang="ja-JP" altLang="en-US" smtClean="0"/>
-              <a:t>2024/7/26</a:t>
+              <a:t>2024/8/1</a:t>
             </a:fld>
             <a:endParaRPr kumimoji="1" lang="ja-JP" altLang="en-US"/>
           </a:p>
@@ -3409,7 +3449,7 @@
           <a:p>
             <a:fld id="{0A61B77B-977B-4512-96B9-38DFE5BC94C7}" type="datetimeFigureOut">
               <a:rPr kumimoji="1" lang="ja-JP" altLang="en-US" smtClean="0"/>
-              <a:t>2024/7/26</a:t>
+              <a:t>2024/8/1</a:t>
             </a:fld>
             <a:endParaRPr kumimoji="1" lang="ja-JP" altLang="en-US"/>
           </a:p>
@@ -3619,7 +3659,7 @@
           <a:p>
             <a:fld id="{0A61B77B-977B-4512-96B9-38DFE5BC94C7}" type="datetimeFigureOut">
               <a:rPr kumimoji="1" lang="ja-JP" altLang="en-US" smtClean="0"/>
-              <a:t>2024/7/26</a:t>
+              <a:t>2024/8/1</a:t>
             </a:fld>
             <a:endParaRPr kumimoji="1" lang="ja-JP" altLang="en-US"/>
           </a:p>
@@ -3819,7 +3859,7 @@
           <a:p>
             <a:fld id="{0A61B77B-977B-4512-96B9-38DFE5BC94C7}" type="datetimeFigureOut">
               <a:rPr kumimoji="1" lang="ja-JP" altLang="en-US" smtClean="0"/>
-              <a:t>2024/7/26</a:t>
+              <a:t>2024/8/1</a:t>
             </a:fld>
             <a:endParaRPr kumimoji="1" lang="ja-JP" altLang="en-US"/>
           </a:p>
@@ -4095,7 +4135,7 @@
           <a:p>
             <a:fld id="{0A61B77B-977B-4512-96B9-38DFE5BC94C7}" type="datetimeFigureOut">
               <a:rPr kumimoji="1" lang="ja-JP" altLang="en-US" smtClean="0"/>
-              <a:t>2024/7/26</a:t>
+              <a:t>2024/8/1</a:t>
             </a:fld>
             <a:endParaRPr kumimoji="1" lang="ja-JP" altLang="en-US"/>
           </a:p>
@@ -4363,7 +4403,7 @@
           <a:p>
             <a:fld id="{0A61B77B-977B-4512-96B9-38DFE5BC94C7}" type="datetimeFigureOut">
               <a:rPr kumimoji="1" lang="ja-JP" altLang="en-US" smtClean="0"/>
-              <a:t>2024/7/26</a:t>
+              <a:t>2024/8/1</a:t>
             </a:fld>
             <a:endParaRPr kumimoji="1" lang="ja-JP" altLang="en-US"/>
           </a:p>
@@ -4778,7 +4818,7 @@
           <a:p>
             <a:fld id="{0A61B77B-977B-4512-96B9-38DFE5BC94C7}" type="datetimeFigureOut">
               <a:rPr kumimoji="1" lang="ja-JP" altLang="en-US" smtClean="0"/>
-              <a:t>2024/7/26</a:t>
+              <a:t>2024/8/1</a:t>
             </a:fld>
             <a:endParaRPr kumimoji="1" lang="ja-JP" altLang="en-US"/>
           </a:p>
@@ -4920,7 +4960,7 @@
           <a:p>
             <a:fld id="{0A61B77B-977B-4512-96B9-38DFE5BC94C7}" type="datetimeFigureOut">
               <a:rPr kumimoji="1" lang="ja-JP" altLang="en-US" smtClean="0"/>
-              <a:t>2024/7/26</a:t>
+              <a:t>2024/8/1</a:t>
             </a:fld>
             <a:endParaRPr kumimoji="1" lang="ja-JP" altLang="en-US"/>
           </a:p>
@@ -5033,7 +5073,7 @@
           <a:p>
             <a:fld id="{0A61B77B-977B-4512-96B9-38DFE5BC94C7}" type="datetimeFigureOut">
               <a:rPr kumimoji="1" lang="ja-JP" altLang="en-US" smtClean="0"/>
-              <a:t>2024/7/26</a:t>
+              <a:t>2024/8/1</a:t>
             </a:fld>
             <a:endParaRPr kumimoji="1" lang="ja-JP" altLang="en-US"/>
           </a:p>
@@ -5346,7 +5386,7 @@
           <a:p>
             <a:fld id="{0A61B77B-977B-4512-96B9-38DFE5BC94C7}" type="datetimeFigureOut">
               <a:rPr kumimoji="1" lang="ja-JP" altLang="en-US" smtClean="0"/>
-              <a:t>2024/7/26</a:t>
+              <a:t>2024/8/1</a:t>
             </a:fld>
             <a:endParaRPr kumimoji="1" lang="ja-JP" altLang="en-US"/>
           </a:p>
@@ -5635,7 +5675,7 @@
           <a:p>
             <a:fld id="{0A61B77B-977B-4512-96B9-38DFE5BC94C7}" type="datetimeFigureOut">
               <a:rPr kumimoji="1" lang="ja-JP" altLang="en-US" smtClean="0"/>
-              <a:t>2024/7/26</a:t>
+              <a:t>2024/8/1</a:t>
             </a:fld>
             <a:endParaRPr kumimoji="1" lang="ja-JP" altLang="en-US"/>
           </a:p>
@@ -5878,7 +5918,7 @@
           <a:p>
             <a:fld id="{0A61B77B-977B-4512-96B9-38DFE5BC94C7}" type="datetimeFigureOut">
               <a:rPr kumimoji="1" lang="ja-JP" altLang="en-US" smtClean="0"/>
-              <a:t>2024/7/26</a:t>
+              <a:t>2024/8/1</a:t>
             </a:fld>
             <a:endParaRPr kumimoji="1" lang="ja-JP" altLang="en-US"/>
           </a:p>
@@ -12056,7 +12096,7 @@
                 <a:ea typeface="Calibri" panose="020F0502020204030204" pitchFamily="34" charset="0"/>
                 <a:cs typeface="Calibri" panose="020F0502020204030204" pitchFamily="34" charset="0"/>
               </a:rPr>
-              <a:t>H7.1</a:t>
+              <a:t>H5.1</a:t>
             </a:r>
             <a:endParaRPr kumimoji="1" lang="ja-JP" altLang="en-US" dirty="0">
               <a:solidFill>
@@ -12105,7 +12145,29 @@
                 <a:ea typeface="Calibri" panose="020F0502020204030204" pitchFamily="34" charset="0"/>
                 <a:cs typeface="Calibri" panose="020F0502020204030204" pitchFamily="34" charset="0"/>
               </a:rPr>
-              <a:t>H7.2</a:t>
+              <a:t>H</a:t>
+            </a:r>
+            <a:r>
+              <a:rPr lang="en-US" altLang="ja-JP" dirty="0">
+                <a:solidFill>
+                  <a:srgbClr val="0000FF"/>
+                </a:solidFill>
+                <a:latin typeface="Calibri" panose="020F0502020204030204" pitchFamily="34" charset="0"/>
+                <a:ea typeface="Calibri" panose="020F0502020204030204" pitchFamily="34" charset="0"/>
+                <a:cs typeface="Calibri" panose="020F0502020204030204" pitchFamily="34" charset="0"/>
+              </a:rPr>
+              <a:t>5</a:t>
+            </a:r>
+            <a:r>
+              <a:rPr kumimoji="1" lang="en-US" altLang="ja-JP" dirty="0">
+                <a:solidFill>
+                  <a:srgbClr val="0000FF"/>
+                </a:solidFill>
+                <a:latin typeface="Calibri" panose="020F0502020204030204" pitchFamily="34" charset="0"/>
+                <a:ea typeface="Calibri" panose="020F0502020204030204" pitchFamily="34" charset="0"/>
+                <a:cs typeface="Calibri" panose="020F0502020204030204" pitchFamily="34" charset="0"/>
+              </a:rPr>
+              <a:t>.2</a:t>
             </a:r>
             <a:endParaRPr kumimoji="1" lang="ja-JP" altLang="en-US" dirty="0">
               <a:solidFill>
@@ -12154,7 +12216,7 @@
                 <a:ea typeface="Calibri" panose="020F0502020204030204" pitchFamily="34" charset="0"/>
                 <a:cs typeface="Calibri" panose="020F0502020204030204" pitchFamily="34" charset="0"/>
               </a:rPr>
-              <a:t>H7.3</a:t>
+              <a:t>H5.3</a:t>
             </a:r>
             <a:endParaRPr kumimoji="1" lang="ja-JP" altLang="en-US" dirty="0">
               <a:solidFill>

--- a/common_materials/framework.pptx
+++ b/common_materials/framework.pptx
@@ -121,7 +121,7 @@
 <file path=ppt/revisionInfo.xml><?xml version="1.0" encoding="utf-8"?>
 <p1510:revInfo xmlns:a="http://schemas.openxmlformats.org/drawingml/2006/main" xmlns:r="http://schemas.openxmlformats.org/officeDocument/2006/relationships" xmlns:p1510="http://schemas.microsoft.com/office/powerpoint/2015/10/main">
   <p1510:revLst>
-    <p1510:client id="{53A1251E-07E6-42FB-8725-EA9C4EDF47DF}" v="120" dt="2024-08-18T10:28:09.185"/>
+    <p1510:client id="{53A1251E-07E6-42FB-8725-EA9C4EDF47DF}" v="126" dt="2024-08-28T02:50:49.269"/>
   </p1510:revLst>
 </p1510:revInfo>
 </file>
@@ -2082,7 +2082,7 @@
   <pc:docChgLst>
     <pc:chgData name="Ryo Suhara" userId="2d319992da703ee6" providerId="LiveId" clId="{53A1251E-07E6-42FB-8725-EA9C4EDF47DF}"/>
     <pc:docChg chg="undo custSel addSld delSld modSld">
-      <pc:chgData name="Ryo Suhara" userId="2d319992da703ee6" providerId="LiveId" clId="{53A1251E-07E6-42FB-8725-EA9C4EDF47DF}" dt="2024-08-18T10:28:34.195" v="520" actId="1076"/>
+      <pc:chgData name="Ryo Suhara" userId="2d319992da703ee6" providerId="LiveId" clId="{53A1251E-07E6-42FB-8725-EA9C4EDF47DF}" dt="2024-08-28T02:50:50.524" v="583" actId="1076"/>
       <pc:docMkLst>
         <pc:docMk/>
       </pc:docMkLst>
@@ -2266,13 +2266,13 @@
         </pc:sldMkLst>
       </pc:sldChg>
       <pc:sldChg chg="addSp delSp modSp mod">
-        <pc:chgData name="Ryo Suhara" userId="2d319992da703ee6" providerId="LiveId" clId="{53A1251E-07E6-42FB-8725-EA9C4EDF47DF}" dt="2024-08-18T08:17:23.638" v="217" actId="478"/>
+        <pc:chgData name="Ryo Suhara" userId="2d319992da703ee6" providerId="LiveId" clId="{53A1251E-07E6-42FB-8725-EA9C4EDF47DF}" dt="2024-08-28T02:28:27.560" v="573" actId="478"/>
         <pc:sldMkLst>
           <pc:docMk/>
           <pc:sldMk cId="3103947854" sldId="263"/>
         </pc:sldMkLst>
         <pc:spChg chg="add mod">
-          <ac:chgData name="Ryo Suhara" userId="2d319992da703ee6" providerId="LiveId" clId="{53A1251E-07E6-42FB-8725-EA9C4EDF47DF}" dt="2024-08-18T07:58:16.708" v="130" actId="2711"/>
+          <ac:chgData name="Ryo Suhara" userId="2d319992da703ee6" providerId="LiveId" clId="{53A1251E-07E6-42FB-8725-EA9C4EDF47DF}" dt="2024-08-28T02:26:16.033" v="524" actId="113"/>
           <ac:spMkLst>
             <pc:docMk/>
             <pc:sldMk cId="3103947854" sldId="263"/>
@@ -2280,7 +2280,7 @@
           </ac:spMkLst>
         </pc:spChg>
         <pc:spChg chg="add mod">
-          <ac:chgData name="Ryo Suhara" userId="2d319992da703ee6" providerId="LiveId" clId="{53A1251E-07E6-42FB-8725-EA9C4EDF47DF}" dt="2024-08-18T07:58:16.708" v="130" actId="2711"/>
+          <ac:chgData name="Ryo Suhara" userId="2d319992da703ee6" providerId="LiveId" clId="{53A1251E-07E6-42FB-8725-EA9C4EDF47DF}" dt="2024-08-28T02:27:47.082" v="565" actId="113"/>
           <ac:spMkLst>
             <pc:docMk/>
             <pc:sldMk cId="3103947854" sldId="263"/>
@@ -2312,7 +2312,7 @@
           </ac:spMkLst>
         </pc:spChg>
         <pc:spChg chg="add mod">
-          <ac:chgData name="Ryo Suhara" userId="2d319992da703ee6" providerId="LiveId" clId="{53A1251E-07E6-42FB-8725-EA9C4EDF47DF}" dt="2024-08-18T07:58:16.708" v="130" actId="2711"/>
+          <ac:chgData name="Ryo Suhara" userId="2d319992da703ee6" providerId="LiveId" clId="{53A1251E-07E6-42FB-8725-EA9C4EDF47DF}" dt="2024-08-28T02:27:47.082" v="565" actId="113"/>
           <ac:spMkLst>
             <pc:docMk/>
             <pc:sldMk cId="3103947854" sldId="263"/>
@@ -2320,7 +2320,7 @@
           </ac:spMkLst>
         </pc:spChg>
         <pc:spChg chg="add mod">
-          <ac:chgData name="Ryo Suhara" userId="2d319992da703ee6" providerId="LiveId" clId="{53A1251E-07E6-42FB-8725-EA9C4EDF47DF}" dt="2024-08-18T07:58:16.708" v="130" actId="2711"/>
+          <ac:chgData name="Ryo Suhara" userId="2d319992da703ee6" providerId="LiveId" clId="{53A1251E-07E6-42FB-8725-EA9C4EDF47DF}" dt="2024-08-28T02:27:51.219" v="567" actId="207"/>
           <ac:spMkLst>
             <pc:docMk/>
             <pc:sldMk cId="3103947854" sldId="263"/>
@@ -2328,7 +2328,7 @@
           </ac:spMkLst>
         </pc:spChg>
         <pc:spChg chg="add mod">
-          <ac:chgData name="Ryo Suhara" userId="2d319992da703ee6" providerId="LiveId" clId="{53A1251E-07E6-42FB-8725-EA9C4EDF47DF}" dt="2024-08-18T07:58:16.708" v="130" actId="2711"/>
+          <ac:chgData name="Ryo Suhara" userId="2d319992da703ee6" providerId="LiveId" clId="{53A1251E-07E6-42FB-8725-EA9C4EDF47DF}" dt="2024-08-28T02:27:54.484" v="569" actId="113"/>
           <ac:spMkLst>
             <pc:docMk/>
             <pc:sldMk cId="3103947854" sldId="263"/>
@@ -2344,11 +2344,19 @@
           </ac:spMkLst>
         </pc:spChg>
         <pc:spChg chg="mod">
-          <ac:chgData name="Ryo Suhara" userId="2d319992da703ee6" providerId="LiveId" clId="{53A1251E-07E6-42FB-8725-EA9C4EDF47DF}" dt="2024-08-18T07:58:16.708" v="130" actId="2711"/>
+          <ac:chgData name="Ryo Suhara" userId="2d319992da703ee6" providerId="LiveId" clId="{53A1251E-07E6-42FB-8725-EA9C4EDF47DF}" dt="2024-08-28T02:26:50.140" v="531" actId="20577"/>
           <ac:spMkLst>
             <pc:docMk/>
             <pc:sldMk cId="3103947854" sldId="263"/>
             <ac:spMk id="17" creationId="{6747B8FF-0EC5-2604-B493-777F2FFF1106}"/>
+          </ac:spMkLst>
+        </pc:spChg>
+        <pc:spChg chg="add mod">
+          <ac:chgData name="Ryo Suhara" userId="2d319992da703ee6" providerId="LiveId" clId="{53A1251E-07E6-42FB-8725-EA9C4EDF47DF}" dt="2024-08-28T02:27:47.082" v="565" actId="113"/>
+          <ac:spMkLst>
+            <pc:docMk/>
+            <pc:sldMk cId="3103947854" sldId="263"/>
+            <ac:spMk id="18" creationId="{7256E55D-4278-E96D-AB19-ED1505B4009F}"/>
           </ac:spMkLst>
         </pc:spChg>
         <pc:spChg chg="del">
@@ -2357,6 +2365,14 @@
             <pc:docMk/>
             <pc:sldMk cId="3103947854" sldId="263"/>
             <ac:spMk id="18" creationId="{88F2D0AD-840D-9F90-BA60-08E87CA07146}"/>
+          </ac:spMkLst>
+        </pc:spChg>
+        <pc:spChg chg="add mod">
+          <ac:chgData name="Ryo Suhara" userId="2d319992da703ee6" providerId="LiveId" clId="{53A1251E-07E6-42FB-8725-EA9C4EDF47DF}" dt="2024-08-28T02:27:47.082" v="565" actId="113"/>
+          <ac:spMkLst>
+            <pc:docMk/>
+            <pc:sldMk cId="3103947854" sldId="263"/>
+            <ac:spMk id="19" creationId="{2479CF4D-F7CE-7472-68A6-0FC804D4189B}"/>
           </ac:spMkLst>
         </pc:spChg>
         <pc:spChg chg="del">
@@ -2423,6 +2439,14 @@
             <ac:spMk id="59" creationId="{5E058EAE-9A28-8AD5-EB47-02477AF40C96}"/>
           </ac:spMkLst>
         </pc:spChg>
+        <pc:graphicFrameChg chg="add mod">
+          <ac:chgData name="Ryo Suhara" userId="2d319992da703ee6" providerId="LiveId" clId="{53A1251E-07E6-42FB-8725-EA9C4EDF47DF}" dt="2024-08-28T02:26:21.558" v="525"/>
+          <ac:graphicFrameMkLst>
+            <pc:docMk/>
+            <pc:sldMk cId="3103947854" sldId="263"/>
+            <ac:graphicFrameMk id="2" creationId="{75E9547B-A883-EC13-AAD9-CD729B384CC8}"/>
+          </ac:graphicFrameMkLst>
+        </pc:graphicFrameChg>
         <pc:picChg chg="add del mod">
           <ac:chgData name="Ryo Suhara" userId="2d319992da703ee6" providerId="LiveId" clId="{53A1251E-07E6-42FB-8725-EA9C4EDF47DF}" dt="2024-07-21T08:49:32.644" v="30" actId="478"/>
           <ac:picMkLst>
@@ -2455,6 +2479,14 @@
             <ac:picMk id="18" creationId="{080749A3-3828-C75B-2BA5-039CD3157A86}"/>
           </ac:picMkLst>
         </pc:picChg>
+        <pc:picChg chg="add del mod">
+          <ac:chgData name="Ryo Suhara" userId="2d319992da703ee6" providerId="LiveId" clId="{53A1251E-07E6-42FB-8725-EA9C4EDF47DF}" dt="2024-08-28T02:28:27.560" v="573" actId="478"/>
+          <ac:picMkLst>
+            <pc:docMk/>
+            <pc:sldMk cId="3103947854" sldId="263"/>
+            <ac:picMk id="20" creationId="{033EC4CA-4032-8309-A9EA-503527DE12FD}"/>
+          </ac:picMkLst>
+        </pc:picChg>
         <pc:cxnChg chg="del mod">
           <ac:chgData name="Ryo Suhara" userId="2d319992da703ee6" providerId="LiveId" clId="{53A1251E-07E6-42FB-8725-EA9C4EDF47DF}" dt="2024-08-18T07:56:16.939" v="113" actId="478"/>
           <ac:cxnSpMkLst>
@@ -2537,7 +2569,7 @@
         </pc:cxnChg>
       </pc:sldChg>
       <pc:sldChg chg="addSp delSp modSp mod">
-        <pc:chgData name="Ryo Suhara" userId="2d319992da703ee6" providerId="LiveId" clId="{53A1251E-07E6-42FB-8725-EA9C4EDF47DF}" dt="2024-08-18T08:23:53.690" v="263" actId="478"/>
+        <pc:chgData name="Ryo Suhara" userId="2d319992da703ee6" providerId="LiveId" clId="{53A1251E-07E6-42FB-8725-EA9C4EDF47DF}" dt="2024-08-28T02:50:50.524" v="583" actId="1076"/>
         <pc:sldMkLst>
           <pc:docMk/>
           <pc:sldMk cId="2434214515" sldId="264"/>
@@ -2575,7 +2607,7 @@
           </ac:spMkLst>
         </pc:spChg>
         <pc:spChg chg="mod">
-          <ac:chgData name="Ryo Suhara" userId="2d319992da703ee6" providerId="LiveId" clId="{53A1251E-07E6-42FB-8725-EA9C4EDF47DF}" dt="2024-08-18T08:20:37.341" v="230" actId="2711"/>
+          <ac:chgData name="Ryo Suhara" userId="2d319992da703ee6" providerId="LiveId" clId="{53A1251E-07E6-42FB-8725-EA9C4EDF47DF}" dt="2024-08-28T02:50:43.022" v="581" actId="207"/>
           <ac:spMkLst>
             <pc:docMk/>
             <pc:sldMk cId="2434214515" sldId="264"/>
@@ -2583,7 +2615,7 @@
           </ac:spMkLst>
         </pc:spChg>
         <pc:spChg chg="mod">
-          <ac:chgData name="Ryo Suhara" userId="2d319992da703ee6" providerId="LiveId" clId="{53A1251E-07E6-42FB-8725-EA9C4EDF47DF}" dt="2024-08-18T08:20:37.341" v="230" actId="2711"/>
+          <ac:chgData name="Ryo Suhara" userId="2d319992da703ee6" providerId="LiveId" clId="{53A1251E-07E6-42FB-8725-EA9C4EDF47DF}" dt="2024-08-28T02:50:43.022" v="581" actId="207"/>
           <ac:spMkLst>
             <pc:docMk/>
             <pc:sldMk cId="2434214515" sldId="264"/>
@@ -2591,7 +2623,7 @@
           </ac:spMkLst>
         </pc:spChg>
         <pc:spChg chg="mod">
-          <ac:chgData name="Ryo Suhara" userId="2d319992da703ee6" providerId="LiveId" clId="{53A1251E-07E6-42FB-8725-EA9C4EDF47DF}" dt="2024-08-18T08:20:37.341" v="230" actId="2711"/>
+          <ac:chgData name="Ryo Suhara" userId="2d319992da703ee6" providerId="LiveId" clId="{53A1251E-07E6-42FB-8725-EA9C4EDF47DF}" dt="2024-08-28T02:50:43.022" v="581" actId="207"/>
           <ac:spMkLst>
             <pc:docMk/>
             <pc:sldMk cId="2434214515" sldId="264"/>
@@ -2636,6 +2668,14 @@
             <pc:docMk/>
             <pc:sldMk cId="2434214515" sldId="264"/>
             <ac:picMk id="4" creationId="{4AEA68AA-AF69-5BE1-9916-B88DF384BB26}"/>
+          </ac:picMkLst>
+        </pc:picChg>
+        <pc:picChg chg="add mod">
+          <ac:chgData name="Ryo Suhara" userId="2d319992da703ee6" providerId="LiveId" clId="{53A1251E-07E6-42FB-8725-EA9C4EDF47DF}" dt="2024-08-28T02:50:50.524" v="583" actId="1076"/>
+          <ac:picMkLst>
+            <pc:docMk/>
+            <pc:sldMk cId="2434214515" sldId="264"/>
+            <ac:picMk id="4" creationId="{C1C62ED7-3CA2-AF4C-BDC4-0C95C0868476}"/>
           </ac:picMkLst>
         </pc:picChg>
         <pc:picChg chg="add del mod">
@@ -3155,7 +3195,7 @@
           <a:p>
             <a:fld id="{BF187CE6-48E4-4866-A94A-1C6CA4E16E8A}" type="datetimeFigureOut">
               <a:rPr kumimoji="1" lang="ja-JP" altLang="en-US" smtClean="0"/>
-              <a:t>2024/8/18</a:t>
+              <a:t>2024/8/28</a:t>
             </a:fld>
             <a:endParaRPr kumimoji="1" lang="ja-JP" altLang="en-US"/>
           </a:p>
@@ -3908,7 +3948,7 @@
           <a:p>
             <a:fld id="{0A61B77B-977B-4512-96B9-38DFE5BC94C7}" type="datetimeFigureOut">
               <a:rPr kumimoji="1" lang="ja-JP" altLang="en-US" smtClean="0"/>
-              <a:t>2024/8/18</a:t>
+              <a:t>2024/8/28</a:t>
             </a:fld>
             <a:endParaRPr kumimoji="1" lang="ja-JP" altLang="en-US"/>
           </a:p>
@@ -4108,7 +4148,7 @@
           <a:p>
             <a:fld id="{0A61B77B-977B-4512-96B9-38DFE5BC94C7}" type="datetimeFigureOut">
               <a:rPr kumimoji="1" lang="ja-JP" altLang="en-US" smtClean="0"/>
-              <a:t>2024/8/18</a:t>
+              <a:t>2024/8/28</a:t>
             </a:fld>
             <a:endParaRPr kumimoji="1" lang="ja-JP" altLang="en-US"/>
           </a:p>
@@ -4318,7 +4358,7 @@
           <a:p>
             <a:fld id="{0A61B77B-977B-4512-96B9-38DFE5BC94C7}" type="datetimeFigureOut">
               <a:rPr kumimoji="1" lang="ja-JP" altLang="en-US" smtClean="0"/>
-              <a:t>2024/8/18</a:t>
+              <a:t>2024/8/28</a:t>
             </a:fld>
             <a:endParaRPr kumimoji="1" lang="ja-JP" altLang="en-US"/>
           </a:p>
@@ -4518,7 +4558,7 @@
           <a:p>
             <a:fld id="{0A61B77B-977B-4512-96B9-38DFE5BC94C7}" type="datetimeFigureOut">
               <a:rPr kumimoji="1" lang="ja-JP" altLang="en-US" smtClean="0"/>
-              <a:t>2024/8/18</a:t>
+              <a:t>2024/8/28</a:t>
             </a:fld>
             <a:endParaRPr kumimoji="1" lang="ja-JP" altLang="en-US"/>
           </a:p>
@@ -4794,7 +4834,7 @@
           <a:p>
             <a:fld id="{0A61B77B-977B-4512-96B9-38DFE5BC94C7}" type="datetimeFigureOut">
               <a:rPr kumimoji="1" lang="ja-JP" altLang="en-US" smtClean="0"/>
-              <a:t>2024/8/18</a:t>
+              <a:t>2024/8/28</a:t>
             </a:fld>
             <a:endParaRPr kumimoji="1" lang="ja-JP" altLang="en-US"/>
           </a:p>
@@ -5062,7 +5102,7 @@
           <a:p>
             <a:fld id="{0A61B77B-977B-4512-96B9-38DFE5BC94C7}" type="datetimeFigureOut">
               <a:rPr kumimoji="1" lang="ja-JP" altLang="en-US" smtClean="0"/>
-              <a:t>2024/8/18</a:t>
+              <a:t>2024/8/28</a:t>
             </a:fld>
             <a:endParaRPr kumimoji="1" lang="ja-JP" altLang="en-US"/>
           </a:p>
@@ -5477,7 +5517,7 @@
           <a:p>
             <a:fld id="{0A61B77B-977B-4512-96B9-38DFE5BC94C7}" type="datetimeFigureOut">
               <a:rPr kumimoji="1" lang="ja-JP" altLang="en-US" smtClean="0"/>
-              <a:t>2024/8/18</a:t>
+              <a:t>2024/8/28</a:t>
             </a:fld>
             <a:endParaRPr kumimoji="1" lang="ja-JP" altLang="en-US"/>
           </a:p>
@@ -5619,7 +5659,7 @@
           <a:p>
             <a:fld id="{0A61B77B-977B-4512-96B9-38DFE5BC94C7}" type="datetimeFigureOut">
               <a:rPr kumimoji="1" lang="ja-JP" altLang="en-US" smtClean="0"/>
-              <a:t>2024/8/18</a:t>
+              <a:t>2024/8/28</a:t>
             </a:fld>
             <a:endParaRPr kumimoji="1" lang="ja-JP" altLang="en-US"/>
           </a:p>
@@ -5732,7 +5772,7 @@
           <a:p>
             <a:fld id="{0A61B77B-977B-4512-96B9-38DFE5BC94C7}" type="datetimeFigureOut">
               <a:rPr kumimoji="1" lang="ja-JP" altLang="en-US" smtClean="0"/>
-              <a:t>2024/8/18</a:t>
+              <a:t>2024/8/28</a:t>
             </a:fld>
             <a:endParaRPr kumimoji="1" lang="ja-JP" altLang="en-US"/>
           </a:p>
@@ -6045,7 +6085,7 @@
           <a:p>
             <a:fld id="{0A61B77B-977B-4512-96B9-38DFE5BC94C7}" type="datetimeFigureOut">
               <a:rPr kumimoji="1" lang="ja-JP" altLang="en-US" smtClean="0"/>
-              <a:t>2024/8/18</a:t>
+              <a:t>2024/8/28</a:t>
             </a:fld>
             <a:endParaRPr kumimoji="1" lang="ja-JP" altLang="en-US"/>
           </a:p>
@@ -6334,7 +6374,7 @@
           <a:p>
             <a:fld id="{0A61B77B-977B-4512-96B9-38DFE5BC94C7}" type="datetimeFigureOut">
               <a:rPr kumimoji="1" lang="ja-JP" altLang="en-US" smtClean="0"/>
-              <a:t>2024/8/18</a:t>
+              <a:t>2024/8/28</a:t>
             </a:fld>
             <a:endParaRPr kumimoji="1" lang="ja-JP" altLang="en-US"/>
           </a:p>
@@ -6577,7 +6617,7 @@
           <a:p>
             <a:fld id="{0A61B77B-977B-4512-96B9-38DFE5BC94C7}" type="datetimeFigureOut">
               <a:rPr kumimoji="1" lang="ja-JP" altLang="en-US" smtClean="0"/>
-              <a:t>2024/8/18</a:t>
+              <a:t>2024/8/28</a:t>
             </a:fld>
             <a:endParaRPr kumimoji="1" lang="ja-JP" altLang="en-US"/>
           </a:p>
@@ -7903,31 +7943,22 @@
           <a:lstStyle/>
           <a:p>
             <a:r>
-              <a:rPr kumimoji="1" lang="en-US" altLang="ja-JP" dirty="0">
-                <a:solidFill>
-                  <a:srgbClr val="0000FF"/>
-                </a:solidFill>
+              <a:rPr kumimoji="1" lang="en-US" altLang="ja-JP" b="1" dirty="0">
                 <a:latin typeface="Times New Roman" panose="02020603050405020304" pitchFamily="18" charset="0"/>
                 <a:ea typeface="Calibri" panose="020F0502020204030204" pitchFamily="34" charset="0"/>
                 <a:cs typeface="Times New Roman" panose="02020603050405020304" pitchFamily="18" charset="0"/>
               </a:rPr>
-              <a:t>H4 </a:t>
+              <a:t>H5 </a:t>
             </a:r>
             <a:r>
-              <a:rPr kumimoji="1" lang="en-US" altLang="ja-JP" sz="1200" dirty="0">
-                <a:solidFill>
-                  <a:srgbClr val="0000FF"/>
-                </a:solidFill>
+              <a:rPr kumimoji="1" lang="en-US" altLang="ja-JP" sz="1200" b="1" dirty="0">
                 <a:latin typeface="Times New Roman" panose="02020603050405020304" pitchFamily="18" charset="0"/>
                 <a:ea typeface="Calibri" panose="020F0502020204030204" pitchFamily="34" charset="0"/>
                 <a:cs typeface="Times New Roman" panose="02020603050405020304" pitchFamily="18" charset="0"/>
               </a:rPr>
-              <a:t>(H4.1, 4.2)</a:t>
+              <a:t>(H5.1, 5.2)</a:t>
             </a:r>
-            <a:endParaRPr kumimoji="1" lang="ja-JP" altLang="en-US" dirty="0">
-              <a:solidFill>
-                <a:srgbClr val="0000FF"/>
-              </a:solidFill>
+            <a:endParaRPr kumimoji="1" lang="ja-JP" altLang="en-US" b="1" dirty="0">
               <a:latin typeface="Times New Roman" panose="02020603050405020304" pitchFamily="18" charset="0"/>
               <a:cs typeface="Times New Roman" panose="02020603050405020304" pitchFamily="18" charset="0"/>
             </a:endParaRPr>
@@ -7963,20 +7994,14 @@
           <a:lstStyle/>
           <a:p>
             <a:r>
-              <a:rPr kumimoji="1" lang="en-US" altLang="ja-JP" dirty="0">
-                <a:solidFill>
-                  <a:srgbClr val="0000FF"/>
-                </a:solidFill>
+              <a:rPr kumimoji="1" lang="en-US" altLang="ja-JP" b="1" dirty="0">
                 <a:latin typeface="Times New Roman" panose="02020603050405020304" pitchFamily="18" charset="0"/>
                 <a:ea typeface="Calibri" panose="020F0502020204030204" pitchFamily="34" charset="0"/>
                 <a:cs typeface="Times New Roman" panose="02020603050405020304" pitchFamily="18" charset="0"/>
               </a:rPr>
               <a:t>H3.1</a:t>
             </a:r>
-            <a:endParaRPr kumimoji="1" lang="ja-JP" altLang="en-US" dirty="0">
-              <a:solidFill>
-                <a:srgbClr val="0000FF"/>
-              </a:solidFill>
+            <a:endParaRPr kumimoji="1" lang="ja-JP" altLang="en-US" b="1" dirty="0">
               <a:latin typeface="Times New Roman" panose="02020603050405020304" pitchFamily="18" charset="0"/>
               <a:cs typeface="Times New Roman" panose="02020603050405020304" pitchFamily="18" charset="0"/>
             </a:endParaRPr>
@@ -8012,20 +8037,14 @@
           <a:lstStyle/>
           <a:p>
             <a:r>
-              <a:rPr kumimoji="1" lang="en-US" altLang="ja-JP" dirty="0">
-                <a:solidFill>
-                  <a:srgbClr val="0000FF"/>
-                </a:solidFill>
+              <a:rPr kumimoji="1" lang="en-US" altLang="ja-JP" b="1" dirty="0">
                 <a:latin typeface="Times New Roman" panose="02020603050405020304" pitchFamily="18" charset="0"/>
                 <a:ea typeface="Calibri" panose="020F0502020204030204" pitchFamily="34" charset="0"/>
                 <a:cs typeface="Times New Roman" panose="02020603050405020304" pitchFamily="18" charset="0"/>
               </a:rPr>
               <a:t>H3.2</a:t>
             </a:r>
-            <a:endParaRPr kumimoji="1" lang="ja-JP" altLang="en-US" dirty="0">
-              <a:solidFill>
-                <a:srgbClr val="0000FF"/>
-              </a:solidFill>
+            <a:endParaRPr kumimoji="1" lang="ja-JP" altLang="en-US" b="1" dirty="0">
               <a:latin typeface="Times New Roman" panose="02020603050405020304" pitchFamily="18" charset="0"/>
               <a:cs typeface="Times New Roman" panose="02020603050405020304" pitchFamily="18" charset="0"/>
             </a:endParaRPr>
@@ -8046,7 +8065,7 @@
         </p:nvSpPr>
         <p:spPr>
           <a:xfrm>
-            <a:off x="5556250" y="3464695"/>
+            <a:off x="5556250" y="3260156"/>
             <a:ext cx="698885" cy="369332"/>
           </a:xfrm>
           <a:prstGeom prst="rect">
@@ -8061,10 +8080,7 @@
           <a:lstStyle/>
           <a:p>
             <a:r>
-              <a:rPr kumimoji="1" lang="en-US" altLang="ja-JP" dirty="0">
-                <a:solidFill>
-                  <a:srgbClr val="0000FF"/>
-                </a:solidFill>
+              <a:rPr kumimoji="1" lang="en-US" altLang="ja-JP" b="1" dirty="0">
                 <a:latin typeface="Times New Roman" panose="02020603050405020304" pitchFamily="18" charset="0"/>
                 <a:ea typeface="Calibri" panose="020F0502020204030204" pitchFamily="34" charset="0"/>
                 <a:cs typeface="Times New Roman" panose="02020603050405020304" pitchFamily="18" charset="0"/>
@@ -8072,20 +8088,14 @@
               <a:t>H3.</a:t>
             </a:r>
             <a:r>
-              <a:rPr lang="en-US" altLang="ja-JP" dirty="0">
-                <a:solidFill>
-                  <a:srgbClr val="0000FF"/>
-                </a:solidFill>
+              <a:rPr lang="en-US" altLang="ja-JP" b="1" dirty="0">
                 <a:latin typeface="Times New Roman" panose="02020603050405020304" pitchFamily="18" charset="0"/>
                 <a:ea typeface="Calibri" panose="020F0502020204030204" pitchFamily="34" charset="0"/>
                 <a:cs typeface="Times New Roman" panose="02020603050405020304" pitchFamily="18" charset="0"/>
               </a:rPr>
               <a:t>3</a:t>
             </a:r>
-            <a:endParaRPr kumimoji="1" lang="ja-JP" altLang="en-US" dirty="0">
-              <a:solidFill>
-                <a:srgbClr val="0000FF"/>
-              </a:solidFill>
+            <a:endParaRPr kumimoji="1" lang="ja-JP" altLang="en-US" b="1" dirty="0">
               <a:latin typeface="Times New Roman" panose="02020603050405020304" pitchFamily="18" charset="0"/>
               <a:cs typeface="Times New Roman" panose="02020603050405020304" pitchFamily="18" charset="0"/>
             </a:endParaRPr>
@@ -8121,20 +8131,14 @@
           <a:lstStyle/>
           <a:p>
             <a:r>
-              <a:rPr kumimoji="1" lang="en-US" altLang="ja-JP" dirty="0">
-                <a:solidFill>
-                  <a:srgbClr val="0000FF"/>
-                </a:solidFill>
+              <a:rPr kumimoji="1" lang="en-US" altLang="ja-JP" b="1" dirty="0">
                 <a:latin typeface="Times New Roman" panose="02020603050405020304" pitchFamily="18" charset="0"/>
                 <a:ea typeface="Calibri" panose="020F0502020204030204" pitchFamily="34" charset="0"/>
                 <a:cs typeface="Times New Roman" panose="02020603050405020304" pitchFamily="18" charset="0"/>
               </a:rPr>
               <a:t>H3.4</a:t>
             </a:r>
-            <a:endParaRPr kumimoji="1" lang="ja-JP" altLang="en-US" dirty="0">
-              <a:solidFill>
-                <a:srgbClr val="0000FF"/>
-              </a:solidFill>
+            <a:endParaRPr kumimoji="1" lang="ja-JP" altLang="en-US" b="1" dirty="0">
               <a:latin typeface="Times New Roman" panose="02020603050405020304" pitchFamily="18" charset="0"/>
               <a:cs typeface="Times New Roman" panose="02020603050405020304" pitchFamily="18" charset="0"/>
             </a:endParaRPr>
@@ -8170,20 +8174,14 @@
           <a:lstStyle/>
           <a:p>
             <a:r>
-              <a:rPr kumimoji="1" lang="en-US" altLang="ja-JP" dirty="0">
-                <a:solidFill>
-                  <a:srgbClr val="0000FF"/>
-                </a:solidFill>
+              <a:rPr kumimoji="1" lang="en-US" altLang="ja-JP" b="1" dirty="0">
                 <a:latin typeface="Times New Roman" panose="02020603050405020304" pitchFamily="18" charset="0"/>
                 <a:ea typeface="Calibri" panose="020F0502020204030204" pitchFamily="34" charset="0"/>
                 <a:cs typeface="Times New Roman" panose="02020603050405020304" pitchFamily="18" charset="0"/>
               </a:rPr>
               <a:t>H3.5</a:t>
             </a:r>
-            <a:endParaRPr kumimoji="1" lang="ja-JP" altLang="en-US" dirty="0">
-              <a:solidFill>
-                <a:srgbClr val="0000FF"/>
-              </a:solidFill>
+            <a:endParaRPr kumimoji="1" lang="ja-JP" altLang="en-US" b="1" dirty="0">
               <a:latin typeface="Times New Roman" panose="02020603050405020304" pitchFamily="18" charset="0"/>
               <a:cs typeface="Times New Roman" panose="02020603050405020304" pitchFamily="18" charset="0"/>
             </a:endParaRPr>
@@ -8284,6 +8282,92 @@
           </a:fontRef>
         </p:style>
       </p:cxnSp>
+      <p:sp>
+        <p:nvSpPr>
+          <p:cNvPr id="18" name="TextBox 17">
+            <a:extLst>
+              <a:ext uri="{FF2B5EF4-FFF2-40B4-BE49-F238E27FC236}">
+                <a16:creationId xmlns:a16="http://schemas.microsoft.com/office/drawing/2014/main" id="{7256E55D-4278-E96D-AB19-ED1505B4009F}"/>
+              </a:ext>
+            </a:extLst>
+          </p:cNvPr>
+          <p:cNvSpPr txBox="1"/>
+          <p:nvPr/>
+        </p:nvSpPr>
+        <p:spPr>
+          <a:xfrm>
+            <a:off x="3471973" y="2661484"/>
+            <a:ext cx="698885" cy="369332"/>
+          </a:xfrm>
+          <a:prstGeom prst="rect">
+            <a:avLst/>
+          </a:prstGeom>
+          <a:noFill/>
+        </p:spPr>
+        <p:txBody>
+          <a:bodyPr wrap="square" rtlCol="0">
+            <a:spAutoFit/>
+          </a:bodyPr>
+          <a:lstStyle/>
+          <a:p>
+            <a:r>
+              <a:rPr kumimoji="1" lang="en-US" altLang="ja-JP" b="1" dirty="0">
+                <a:latin typeface="Times New Roman" panose="02020603050405020304" pitchFamily="18" charset="0"/>
+                <a:ea typeface="Calibri" panose="020F0502020204030204" pitchFamily="34" charset="0"/>
+                <a:cs typeface="Times New Roman" panose="02020603050405020304" pitchFamily="18" charset="0"/>
+              </a:rPr>
+              <a:t>H4</a:t>
+            </a:r>
+            <a:endParaRPr kumimoji="1" lang="ja-JP" altLang="en-US" b="1" dirty="0">
+              <a:latin typeface="Times New Roman" panose="02020603050405020304" pitchFamily="18" charset="0"/>
+              <a:cs typeface="Times New Roman" panose="02020603050405020304" pitchFamily="18" charset="0"/>
+            </a:endParaRPr>
+          </a:p>
+        </p:txBody>
+      </p:sp>
+      <p:sp>
+        <p:nvSpPr>
+          <p:cNvPr id="19" name="TextBox 18">
+            <a:extLst>
+              <a:ext uri="{FF2B5EF4-FFF2-40B4-BE49-F238E27FC236}">
+                <a16:creationId xmlns:a16="http://schemas.microsoft.com/office/drawing/2014/main" id="{2479CF4D-F7CE-7472-68A6-0FC804D4189B}"/>
+              </a:ext>
+            </a:extLst>
+          </p:cNvPr>
+          <p:cNvSpPr txBox="1"/>
+          <p:nvPr/>
+        </p:nvSpPr>
+        <p:spPr>
+          <a:xfrm>
+            <a:off x="5562600" y="3512912"/>
+            <a:ext cx="698885" cy="369332"/>
+          </a:xfrm>
+          <a:prstGeom prst="rect">
+            <a:avLst/>
+          </a:prstGeom>
+          <a:noFill/>
+        </p:spPr>
+        <p:txBody>
+          <a:bodyPr wrap="square" rtlCol="0">
+            <a:spAutoFit/>
+          </a:bodyPr>
+          <a:lstStyle/>
+          <a:p>
+            <a:r>
+              <a:rPr kumimoji="1" lang="en-US" altLang="ja-JP" b="1" dirty="0">
+                <a:latin typeface="Times New Roman" panose="02020603050405020304" pitchFamily="18" charset="0"/>
+                <a:ea typeface="Calibri" panose="020F0502020204030204" pitchFamily="34" charset="0"/>
+                <a:cs typeface="Times New Roman" panose="02020603050405020304" pitchFamily="18" charset="0"/>
+              </a:rPr>
+              <a:t>H4</a:t>
+            </a:r>
+            <a:endParaRPr kumimoji="1" lang="ja-JP" altLang="en-US" b="1" dirty="0">
+              <a:latin typeface="Times New Roman" panose="02020603050405020304" pitchFamily="18" charset="0"/>
+              <a:cs typeface="Times New Roman" panose="02020603050405020304" pitchFamily="18" charset="0"/>
+            </a:endParaRPr>
+          </a:p>
+        </p:txBody>
+      </p:sp>
     </p:spTree>
     <p:extLst>
       <p:ext uri="{BB962C8B-B14F-4D97-AF65-F5344CB8AC3E}">
@@ -22462,20 +22546,14 @@
           <a:lstStyle/>
           <a:p>
             <a:r>
-              <a:rPr kumimoji="1" lang="en-US" altLang="ja-JP" dirty="0">
-                <a:solidFill>
-                  <a:srgbClr val="0000FF"/>
-                </a:solidFill>
+              <a:rPr kumimoji="1" lang="en-US" altLang="ja-JP" b="1" dirty="0">
                 <a:latin typeface="Times New Roman" panose="02020603050405020304" pitchFamily="18" charset="0"/>
                 <a:ea typeface="Calibri" panose="020F0502020204030204" pitchFamily="34" charset="0"/>
                 <a:cs typeface="Times New Roman" panose="02020603050405020304" pitchFamily="18" charset="0"/>
               </a:rPr>
-              <a:t>H5.1</a:t>
+              <a:t>H6.1</a:t>
             </a:r>
-            <a:endParaRPr kumimoji="1" lang="ja-JP" altLang="en-US" dirty="0">
-              <a:solidFill>
-                <a:srgbClr val="0000FF"/>
-              </a:solidFill>
+            <a:endParaRPr kumimoji="1" lang="ja-JP" altLang="en-US" b="1" dirty="0">
               <a:latin typeface="Times New Roman" panose="02020603050405020304" pitchFamily="18" charset="0"/>
               <a:cs typeface="Times New Roman" panose="02020603050405020304" pitchFamily="18" charset="0"/>
             </a:endParaRPr>
@@ -22511,42 +22589,14 @@
           <a:lstStyle/>
           <a:p>
             <a:r>
-              <a:rPr kumimoji="1" lang="en-US" altLang="ja-JP" dirty="0">
-                <a:solidFill>
-                  <a:srgbClr val="0000FF"/>
-                </a:solidFill>
+              <a:rPr kumimoji="1" lang="en-US" altLang="ja-JP" b="1" dirty="0">
                 <a:latin typeface="Times New Roman" panose="02020603050405020304" pitchFamily="18" charset="0"/>
                 <a:ea typeface="Calibri" panose="020F0502020204030204" pitchFamily="34" charset="0"/>
                 <a:cs typeface="Times New Roman" panose="02020603050405020304" pitchFamily="18" charset="0"/>
               </a:rPr>
-              <a:t>H</a:t>
+              <a:t>H6.2</a:t>
             </a:r>
-            <a:r>
-              <a:rPr lang="en-US" altLang="ja-JP" dirty="0">
-                <a:solidFill>
-                  <a:srgbClr val="0000FF"/>
-                </a:solidFill>
-                <a:latin typeface="Times New Roman" panose="02020603050405020304" pitchFamily="18" charset="0"/>
-                <a:ea typeface="Calibri" panose="020F0502020204030204" pitchFamily="34" charset="0"/>
-                <a:cs typeface="Times New Roman" panose="02020603050405020304" pitchFamily="18" charset="0"/>
-              </a:rPr>
-              <a:t>5</a:t>
-            </a:r>
-            <a:r>
-              <a:rPr kumimoji="1" lang="en-US" altLang="ja-JP" dirty="0">
-                <a:solidFill>
-                  <a:srgbClr val="0000FF"/>
-                </a:solidFill>
-                <a:latin typeface="Times New Roman" panose="02020603050405020304" pitchFamily="18" charset="0"/>
-                <a:ea typeface="Calibri" panose="020F0502020204030204" pitchFamily="34" charset="0"/>
-                <a:cs typeface="Times New Roman" panose="02020603050405020304" pitchFamily="18" charset="0"/>
-              </a:rPr>
-              <a:t>.2</a:t>
-            </a:r>
-            <a:endParaRPr kumimoji="1" lang="ja-JP" altLang="en-US" dirty="0">
-              <a:solidFill>
-                <a:srgbClr val="0000FF"/>
-              </a:solidFill>
+            <a:endParaRPr kumimoji="1" lang="ja-JP" altLang="en-US" b="1" dirty="0">
               <a:latin typeface="Times New Roman" panose="02020603050405020304" pitchFamily="18" charset="0"/>
               <a:cs typeface="Times New Roman" panose="02020603050405020304" pitchFamily="18" charset="0"/>
             </a:endParaRPr>
@@ -22582,20 +22632,14 @@
           <a:lstStyle/>
           <a:p>
             <a:r>
-              <a:rPr kumimoji="1" lang="en-US" altLang="ja-JP" dirty="0">
-                <a:solidFill>
-                  <a:srgbClr val="0000FF"/>
-                </a:solidFill>
+              <a:rPr kumimoji="1" lang="en-US" altLang="ja-JP" b="1" dirty="0">
                 <a:latin typeface="Times New Roman" panose="02020603050405020304" pitchFamily="18" charset="0"/>
                 <a:ea typeface="Calibri" panose="020F0502020204030204" pitchFamily="34" charset="0"/>
                 <a:cs typeface="Times New Roman" panose="02020603050405020304" pitchFamily="18" charset="0"/>
               </a:rPr>
-              <a:t>H5.3</a:t>
+              <a:t>H6.3</a:t>
             </a:r>
-            <a:endParaRPr kumimoji="1" lang="ja-JP" altLang="en-US" dirty="0">
-              <a:solidFill>
-                <a:srgbClr val="0000FF"/>
-              </a:solidFill>
+            <a:endParaRPr kumimoji="1" lang="ja-JP" altLang="en-US" b="1" dirty="0">
               <a:latin typeface="Times New Roman" panose="02020603050405020304" pitchFamily="18" charset="0"/>
               <a:cs typeface="Times New Roman" panose="02020603050405020304" pitchFamily="18" charset="0"/>
             </a:endParaRPr>
@@ -22694,6 +22738,36 @@
           </a:fontRef>
         </p:style>
       </p:cxnSp>
+      <p:pic>
+        <p:nvPicPr>
+          <p:cNvPr id="4" name="Picture 3">
+            <a:extLst>
+              <a:ext uri="{FF2B5EF4-FFF2-40B4-BE49-F238E27FC236}">
+                <a16:creationId xmlns:a16="http://schemas.microsoft.com/office/drawing/2014/main" id="{C1C62ED7-3CA2-AF4C-BDC4-0C95C0868476}"/>
+              </a:ext>
+            </a:extLst>
+          </p:cNvPr>
+          <p:cNvPicPr>
+            <a:picLocks noChangeAspect="1"/>
+          </p:cNvPicPr>
+          <p:nvPr/>
+        </p:nvPicPr>
+        <p:blipFill>
+          <a:blip r:embed="rId3"/>
+          <a:stretch>
+            <a:fillRect/>
+          </a:stretch>
+        </p:blipFill>
+        <p:spPr>
+          <a:xfrm>
+            <a:off x="-2838715" y="2489105"/>
+            <a:ext cx="12192000" cy="3910726"/>
+          </a:xfrm>
+          <a:prstGeom prst="rect">
+            <a:avLst/>
+          </a:prstGeom>
+        </p:spPr>
+      </p:pic>
     </p:spTree>
     <p:extLst>
       <p:ext uri="{BB962C8B-B14F-4D97-AF65-F5344CB8AC3E}">
